--- a/Chapitre_01_Correction/TD_99_RP_Quille/images/Figure.pptx
+++ b/Chapitre_01_Correction/TD_99_RP_Quille/images/Figure.pptx
@@ -8,6 +8,8 @@
     <p:sldId id="256" r:id="rId2"/>
     <p:sldId id="258" r:id="rId3"/>
     <p:sldId id="257" r:id="rId4"/>
+    <p:sldId id="259" r:id="rId5"/>
+    <p:sldId id="260" r:id="rId6"/>
   </p:sldIdLst>
   <p:sldSz cx="9144000" cy="6858000" type="screen4x3"/>
   <p:notesSz cx="6858000" cy="9144000"/>
@@ -306,7 +308,7 @@
           <a:p>
             <a:fld id="{AA309A6D-C09C-4548-B29A-6CF363A7E532}" type="datetimeFigureOut">
               <a:rPr lang="fr-FR" smtClean="0"/>
-              <a:t>16/12/2018</a:t>
+              <a:t>08/03/2019</a:t>
             </a:fld>
             <a:endParaRPr lang="fr-BE"/>
           </a:p>
@@ -471,7 +473,7 @@
           <a:p>
             <a:fld id="{AA309A6D-C09C-4548-B29A-6CF363A7E532}" type="datetimeFigureOut">
               <a:rPr lang="fr-FR" smtClean="0"/>
-              <a:t>16/12/2018</a:t>
+              <a:t>08/03/2019</a:t>
             </a:fld>
             <a:endParaRPr lang="fr-BE"/>
           </a:p>
@@ -646,7 +648,7 @@
           <a:p>
             <a:fld id="{AA309A6D-C09C-4548-B29A-6CF363A7E532}" type="datetimeFigureOut">
               <a:rPr lang="fr-FR" smtClean="0"/>
-              <a:t>16/12/2018</a:t>
+              <a:t>08/03/2019</a:t>
             </a:fld>
             <a:endParaRPr lang="fr-BE"/>
           </a:p>
@@ -811,7 +813,7 @@
           <a:p>
             <a:fld id="{AA309A6D-C09C-4548-B29A-6CF363A7E532}" type="datetimeFigureOut">
               <a:rPr lang="fr-FR" smtClean="0"/>
-              <a:t>16/12/2018</a:t>
+              <a:t>08/03/2019</a:t>
             </a:fld>
             <a:endParaRPr lang="fr-BE"/>
           </a:p>
@@ -1052,7 +1054,7 @@
           <a:p>
             <a:fld id="{AA309A6D-C09C-4548-B29A-6CF363A7E532}" type="datetimeFigureOut">
               <a:rPr lang="fr-FR" smtClean="0"/>
-              <a:t>16/12/2018</a:t>
+              <a:t>08/03/2019</a:t>
             </a:fld>
             <a:endParaRPr lang="fr-BE"/>
           </a:p>
@@ -1335,7 +1337,7 @@
           <a:p>
             <a:fld id="{AA309A6D-C09C-4548-B29A-6CF363A7E532}" type="datetimeFigureOut">
               <a:rPr lang="fr-FR" smtClean="0"/>
-              <a:t>16/12/2018</a:t>
+              <a:t>08/03/2019</a:t>
             </a:fld>
             <a:endParaRPr lang="fr-BE"/>
           </a:p>
@@ -1752,7 +1754,7 @@
           <a:p>
             <a:fld id="{AA309A6D-C09C-4548-B29A-6CF363A7E532}" type="datetimeFigureOut">
               <a:rPr lang="fr-FR" smtClean="0"/>
-              <a:t>16/12/2018</a:t>
+              <a:t>08/03/2019</a:t>
             </a:fld>
             <a:endParaRPr lang="fr-BE"/>
           </a:p>
@@ -1865,7 +1867,7 @@
           <a:p>
             <a:fld id="{AA309A6D-C09C-4548-B29A-6CF363A7E532}" type="datetimeFigureOut">
               <a:rPr lang="fr-FR" smtClean="0"/>
-              <a:t>16/12/2018</a:t>
+              <a:t>08/03/2019</a:t>
             </a:fld>
             <a:endParaRPr lang="fr-BE"/>
           </a:p>
@@ -1955,7 +1957,7 @@
           <a:p>
             <a:fld id="{AA309A6D-C09C-4548-B29A-6CF363A7E532}" type="datetimeFigureOut">
               <a:rPr lang="fr-FR" smtClean="0"/>
-              <a:t>16/12/2018</a:t>
+              <a:t>08/03/2019</a:t>
             </a:fld>
             <a:endParaRPr lang="fr-BE"/>
           </a:p>
@@ -2227,7 +2229,7 @@
           <a:p>
             <a:fld id="{AA309A6D-C09C-4548-B29A-6CF363A7E532}" type="datetimeFigureOut">
               <a:rPr lang="fr-FR" smtClean="0"/>
-              <a:t>16/12/2018</a:t>
+              <a:t>08/03/2019</a:t>
             </a:fld>
             <a:endParaRPr lang="fr-BE"/>
           </a:p>
@@ -2475,7 +2477,7 @@
           <a:p>
             <a:fld id="{AA309A6D-C09C-4548-B29A-6CF363A7E532}" type="datetimeFigureOut">
               <a:rPr lang="fr-FR" smtClean="0"/>
-              <a:t>16/12/2018</a:t>
+              <a:t>08/03/2019</a:t>
             </a:fld>
             <a:endParaRPr lang="fr-BE"/>
           </a:p>
@@ -2683,7 +2685,7 @@
           <a:p>
             <a:fld id="{AA309A6D-C09C-4548-B29A-6CF363A7E532}" type="datetimeFigureOut">
               <a:rPr lang="fr-FR" smtClean="0"/>
-              <a:t>16/12/2018</a:t>
+              <a:t>08/03/2019</a:t>
             </a:fld>
             <a:endParaRPr lang="fr-BE"/>
           </a:p>
@@ -8252,6 +8254,3028 @@
 </p:sld>
 </file>
 
+<file path=ppt/slides/slide4.xml><?xml version="1.0" encoding="utf-8"?>
+<p:sld xmlns:a="http://schemas.openxmlformats.org/drawingml/2006/main" xmlns:r="http://schemas.openxmlformats.org/officeDocument/2006/relationships" xmlns:p="http://schemas.openxmlformats.org/presentationml/2006/main">
+  <p:cSld>
+    <p:spTree>
+      <p:nvGrpSpPr>
+        <p:cNvPr id="1" name=""/>
+        <p:cNvGrpSpPr/>
+        <p:nvPr/>
+      </p:nvGrpSpPr>
+      <p:grpSpPr>
+        <a:xfrm>
+          <a:off x="0" y="0"/>
+          <a:ext cx="0" cy="0"/>
+          <a:chOff x="0" y="0"/>
+          <a:chExt cx="0" cy="0"/>
+        </a:xfrm>
+      </p:grpSpPr>
+      <p:sp>
+        <p:nvSpPr>
+          <p:cNvPr id="4" name="Rectangle 3">
+            <a:extLst>
+              <a:ext uri="{FF2B5EF4-FFF2-40B4-BE49-F238E27FC236}">
+                <a16:creationId xmlns:a16="http://schemas.microsoft.com/office/drawing/2014/main" id="{CCD8A412-F8A7-4DC9-AF17-7804AFF98FA5}"/>
+              </a:ext>
+            </a:extLst>
+          </p:cNvPr>
+          <p:cNvSpPr/>
+          <p:nvPr/>
+        </p:nvSpPr>
+        <p:spPr>
+          <a:xfrm>
+            <a:off x="467544" y="3768687"/>
+            <a:ext cx="1440160" cy="288032"/>
+          </a:xfrm>
+          <a:prstGeom prst="rect">
+            <a:avLst/>
+          </a:prstGeom>
+          <a:solidFill>
+            <a:schemeClr val="accent5">
+              <a:lumMod val="20000"/>
+              <a:lumOff val="80000"/>
+            </a:schemeClr>
+          </a:solidFill>
+          <a:ln w="9525">
+            <a:solidFill>
+              <a:schemeClr val="accent5">
+                <a:lumMod val="50000"/>
+              </a:schemeClr>
+            </a:solidFill>
+          </a:ln>
+        </p:spPr>
+        <p:style>
+          <a:lnRef idx="2">
+            <a:schemeClr val="accent1">
+              <a:shade val="50000"/>
+            </a:schemeClr>
+          </a:lnRef>
+          <a:fillRef idx="1">
+            <a:schemeClr val="accent1"/>
+          </a:fillRef>
+          <a:effectRef idx="0">
+            <a:schemeClr val="accent1"/>
+          </a:effectRef>
+          <a:fontRef idx="minor">
+            <a:schemeClr val="lt1"/>
+          </a:fontRef>
+        </p:style>
+        <p:txBody>
+          <a:bodyPr rtlCol="0" anchor="ctr"/>
+          <a:lstStyle/>
+          <a:p>
+            <a:pPr algn="ctr"/>
+            <a:r>
+              <a:rPr lang="fr-FR" sz="1000" dirty="0">
+                <a:solidFill>
+                  <a:sysClr val="windowText" lastClr="000000"/>
+                </a:solidFill>
+              </a:rPr>
+              <a:t>Domaine du client</a:t>
+            </a:r>
+          </a:p>
+        </p:txBody>
+      </p:sp>
+      <p:sp>
+        <p:nvSpPr>
+          <p:cNvPr id="5" name="Rectangle 4">
+            <a:extLst>
+              <a:ext uri="{FF2B5EF4-FFF2-40B4-BE49-F238E27FC236}">
+                <a16:creationId xmlns:a16="http://schemas.microsoft.com/office/drawing/2014/main" id="{99FA396F-38B4-40A3-AFF5-054E45215320}"/>
+              </a:ext>
+            </a:extLst>
+          </p:cNvPr>
+          <p:cNvSpPr/>
+          <p:nvPr/>
+        </p:nvSpPr>
+        <p:spPr>
+          <a:xfrm>
+            <a:off x="467544" y="4151958"/>
+            <a:ext cx="1440160" cy="2013345"/>
+          </a:xfrm>
+          <a:prstGeom prst="rect">
+            <a:avLst/>
+          </a:prstGeom>
+          <a:solidFill>
+            <a:schemeClr val="accent5">
+              <a:lumMod val="20000"/>
+              <a:lumOff val="80000"/>
+            </a:schemeClr>
+          </a:solidFill>
+          <a:ln w="9525">
+            <a:solidFill>
+              <a:schemeClr val="accent5">
+                <a:lumMod val="50000"/>
+              </a:schemeClr>
+            </a:solidFill>
+          </a:ln>
+        </p:spPr>
+        <p:style>
+          <a:lnRef idx="2">
+            <a:schemeClr val="accent1">
+              <a:shade val="50000"/>
+            </a:schemeClr>
+          </a:lnRef>
+          <a:fillRef idx="1">
+            <a:schemeClr val="accent1"/>
+          </a:fillRef>
+          <a:effectRef idx="0">
+            <a:schemeClr val="accent1"/>
+          </a:effectRef>
+          <a:fontRef idx="minor">
+            <a:schemeClr val="lt1"/>
+          </a:fontRef>
+        </p:style>
+        <p:txBody>
+          <a:bodyPr rtlCol="0" anchor="ctr"/>
+          <a:lstStyle/>
+          <a:p>
+            <a:pPr algn="ctr"/>
+            <a:endParaRPr lang="fr-FR" sz="1000" dirty="0">
+              <a:solidFill>
+                <a:sysClr val="windowText" lastClr="000000"/>
+              </a:solidFill>
+            </a:endParaRPr>
+          </a:p>
+        </p:txBody>
+      </p:sp>
+      <p:sp>
+        <p:nvSpPr>
+          <p:cNvPr id="14" name="Rectangle 13">
+            <a:extLst>
+              <a:ext uri="{FF2B5EF4-FFF2-40B4-BE49-F238E27FC236}">
+                <a16:creationId xmlns:a16="http://schemas.microsoft.com/office/drawing/2014/main" id="{021DD29B-484A-4502-9F3E-C78CBAED9E4A}"/>
+              </a:ext>
+            </a:extLst>
+          </p:cNvPr>
+          <p:cNvSpPr/>
+          <p:nvPr/>
+        </p:nvSpPr>
+        <p:spPr>
+          <a:xfrm>
+            <a:off x="2066840" y="4147446"/>
+            <a:ext cx="1440160" cy="2013344"/>
+          </a:xfrm>
+          <a:prstGeom prst="rect">
+            <a:avLst/>
+          </a:prstGeom>
+          <a:solidFill>
+            <a:schemeClr val="accent2">
+              <a:lumMod val="20000"/>
+              <a:lumOff val="80000"/>
+            </a:schemeClr>
+          </a:solidFill>
+          <a:ln w="9525">
+            <a:solidFill>
+              <a:schemeClr val="accent2"/>
+            </a:solidFill>
+          </a:ln>
+        </p:spPr>
+        <p:style>
+          <a:lnRef idx="2">
+            <a:schemeClr val="accent1">
+              <a:shade val="50000"/>
+            </a:schemeClr>
+          </a:lnRef>
+          <a:fillRef idx="1">
+            <a:schemeClr val="accent1"/>
+          </a:fillRef>
+          <a:effectRef idx="0">
+            <a:schemeClr val="accent1"/>
+          </a:effectRef>
+          <a:fontRef idx="minor">
+            <a:schemeClr val="lt1"/>
+          </a:fontRef>
+        </p:style>
+        <p:txBody>
+          <a:bodyPr rtlCol="0" anchor="t"/>
+          <a:lstStyle/>
+          <a:p>
+            <a:pPr algn="ctr"/>
+            <a:r>
+              <a:rPr lang="fr-FR" sz="1000" b="1" dirty="0">
+                <a:solidFill>
+                  <a:sysClr val="windowText" lastClr="000000"/>
+                </a:solidFill>
+              </a:rPr>
+              <a:t>Modèle initial</a:t>
+            </a:r>
+          </a:p>
+        </p:txBody>
+      </p:sp>
+      <p:sp>
+        <p:nvSpPr>
+          <p:cNvPr id="15" name="Rectangle 14">
+            <a:extLst>
+              <a:ext uri="{FF2B5EF4-FFF2-40B4-BE49-F238E27FC236}">
+                <a16:creationId xmlns:a16="http://schemas.microsoft.com/office/drawing/2014/main" id="{7E499DE3-F9CB-486F-8539-FBFD70AD36EB}"/>
+              </a:ext>
+            </a:extLst>
+          </p:cNvPr>
+          <p:cNvSpPr/>
+          <p:nvPr/>
+        </p:nvSpPr>
+        <p:spPr>
+          <a:xfrm>
+            <a:off x="2208424" y="4437112"/>
+            <a:ext cx="1156991" cy="597344"/>
+          </a:xfrm>
+          <a:prstGeom prst="rect">
+            <a:avLst/>
+          </a:prstGeom>
+          <a:solidFill>
+            <a:schemeClr val="accent2">
+              <a:lumMod val="20000"/>
+              <a:lumOff val="80000"/>
+            </a:schemeClr>
+          </a:solidFill>
+          <a:ln w="9525">
+            <a:solidFill>
+              <a:schemeClr val="accent2"/>
+            </a:solidFill>
+          </a:ln>
+        </p:spPr>
+        <p:style>
+          <a:lnRef idx="2">
+            <a:schemeClr val="accent1">
+              <a:shade val="50000"/>
+            </a:schemeClr>
+          </a:lnRef>
+          <a:fillRef idx="1">
+            <a:schemeClr val="accent1"/>
+          </a:fillRef>
+          <a:effectRef idx="0">
+            <a:schemeClr val="accent1"/>
+          </a:effectRef>
+          <a:fontRef idx="minor">
+            <a:schemeClr val="lt1"/>
+          </a:fontRef>
+        </p:style>
+        <p:txBody>
+          <a:bodyPr rtlCol="0" anchor="t"/>
+          <a:lstStyle/>
+          <a:p>
+            <a:pPr algn="ctr"/>
+            <a:r>
+              <a:rPr lang="fr-FR" sz="1000" b="1" dirty="0">
+                <a:solidFill>
+                  <a:sysClr val="windowText" lastClr="000000"/>
+                </a:solidFill>
+              </a:rPr>
+              <a:t>Hypothèse de linéarisation du modèle</a:t>
+            </a:r>
+          </a:p>
+        </p:txBody>
+      </p:sp>
+      <p:sp>
+        <p:nvSpPr>
+          <p:cNvPr id="16" name="Rectangle 15">
+            <a:extLst>
+              <a:ext uri="{FF2B5EF4-FFF2-40B4-BE49-F238E27FC236}">
+                <a16:creationId xmlns:a16="http://schemas.microsoft.com/office/drawing/2014/main" id="{62F58962-618A-4E46-9E29-BD674564D4D8}"/>
+              </a:ext>
+            </a:extLst>
+          </p:cNvPr>
+          <p:cNvSpPr/>
+          <p:nvPr/>
+        </p:nvSpPr>
+        <p:spPr>
+          <a:xfrm>
+            <a:off x="3689863" y="4147446"/>
+            <a:ext cx="2160000" cy="2013341"/>
+          </a:xfrm>
+          <a:prstGeom prst="rect">
+            <a:avLst/>
+          </a:prstGeom>
+          <a:solidFill>
+            <a:schemeClr val="accent2">
+              <a:lumMod val="20000"/>
+              <a:lumOff val="80000"/>
+            </a:schemeClr>
+          </a:solidFill>
+          <a:ln w="9525">
+            <a:solidFill>
+              <a:schemeClr val="accent2"/>
+            </a:solidFill>
+          </a:ln>
+        </p:spPr>
+        <p:style>
+          <a:lnRef idx="2">
+            <a:schemeClr val="accent1">
+              <a:shade val="50000"/>
+            </a:schemeClr>
+          </a:lnRef>
+          <a:fillRef idx="1">
+            <a:schemeClr val="accent1"/>
+          </a:fillRef>
+          <a:effectRef idx="0">
+            <a:schemeClr val="accent1"/>
+          </a:effectRef>
+          <a:fontRef idx="minor">
+            <a:schemeClr val="lt1"/>
+          </a:fontRef>
+        </p:style>
+        <p:txBody>
+          <a:bodyPr rtlCol="0" anchor="t"/>
+          <a:lstStyle/>
+          <a:p>
+            <a:pPr algn="ctr"/>
+            <a:r>
+              <a:rPr lang="fr-FR" sz="1000" b="1" dirty="0">
+                <a:solidFill>
+                  <a:sysClr val="windowText" lastClr="000000"/>
+                </a:solidFill>
+              </a:rPr>
+              <a:t>Modèle linéaire </a:t>
+            </a:r>
+          </a:p>
+          <a:p>
+            <a:pPr algn="ctr"/>
+            <a:r>
+              <a:rPr lang="fr-FR" sz="1000" b="1" dirty="0">
+                <a:solidFill>
+                  <a:sysClr val="windowText" lastClr="000000"/>
+                </a:solidFill>
+              </a:rPr>
+              <a:t>Correcteur proportionnel</a:t>
+            </a:r>
+          </a:p>
+          <a:p>
+            <a:pPr algn="ctr"/>
+            <a:endParaRPr lang="fr-FR" sz="1000" b="1" dirty="0">
+              <a:solidFill>
+                <a:sysClr val="windowText" lastClr="000000"/>
+              </a:solidFill>
+            </a:endParaRPr>
+          </a:p>
+          <a:p>
+            <a:pPr algn="ctr"/>
+            <a:r>
+              <a:rPr lang="fr-FR" sz="1000" b="1" dirty="0">
+                <a:solidFill>
+                  <a:sysClr val="windowText" lastClr="000000"/>
+                </a:solidFill>
+              </a:rPr>
+              <a:t>C(p) = </a:t>
+            </a:r>
+          </a:p>
+        </p:txBody>
+      </p:sp>
+      <p:sp>
+        <p:nvSpPr>
+          <p:cNvPr id="17" name="Rectangle 16">
+            <a:extLst>
+              <a:ext uri="{FF2B5EF4-FFF2-40B4-BE49-F238E27FC236}">
+                <a16:creationId xmlns:a16="http://schemas.microsoft.com/office/drawing/2014/main" id="{4DD7F1ED-5C27-4AC2-905C-0490B80F936A}"/>
+              </a:ext>
+            </a:extLst>
+          </p:cNvPr>
+          <p:cNvSpPr/>
+          <p:nvPr/>
+        </p:nvSpPr>
+        <p:spPr>
+          <a:xfrm>
+            <a:off x="6012160" y="4151958"/>
+            <a:ext cx="2160238" cy="2008829"/>
+          </a:xfrm>
+          <a:prstGeom prst="rect">
+            <a:avLst/>
+          </a:prstGeom>
+          <a:solidFill>
+            <a:schemeClr val="accent2">
+              <a:lumMod val="20000"/>
+              <a:lumOff val="80000"/>
+            </a:schemeClr>
+          </a:solidFill>
+          <a:ln w="9525">
+            <a:solidFill>
+              <a:schemeClr val="accent2"/>
+            </a:solidFill>
+          </a:ln>
+        </p:spPr>
+        <p:style>
+          <a:lnRef idx="2">
+            <a:schemeClr val="accent1">
+              <a:shade val="50000"/>
+            </a:schemeClr>
+          </a:lnRef>
+          <a:fillRef idx="1">
+            <a:schemeClr val="accent1"/>
+          </a:fillRef>
+          <a:effectRef idx="0">
+            <a:schemeClr val="accent1"/>
+          </a:effectRef>
+          <a:fontRef idx="minor">
+            <a:schemeClr val="lt1"/>
+          </a:fontRef>
+        </p:style>
+        <p:txBody>
+          <a:bodyPr rtlCol="0" anchor="t"/>
+          <a:lstStyle/>
+          <a:p>
+            <a:pPr algn="ctr"/>
+            <a:r>
+              <a:rPr lang="fr-FR" sz="1000" b="1" dirty="0">
+                <a:solidFill>
+                  <a:sysClr val="windowText" lastClr="000000"/>
+                </a:solidFill>
+              </a:rPr>
+              <a:t>Modèle linéaire </a:t>
+            </a:r>
+          </a:p>
+          <a:p>
+            <a:pPr algn="ctr"/>
+            <a:r>
+              <a:rPr lang="fr-FR" sz="1000" b="1" dirty="0">
+                <a:solidFill>
+                  <a:sysClr val="windowText" lastClr="000000"/>
+                </a:solidFill>
+              </a:rPr>
+              <a:t>Correcteur retard de phase</a:t>
+            </a:r>
+          </a:p>
+          <a:p>
+            <a:pPr algn="ctr"/>
+            <a:r>
+              <a:rPr lang="fr-FR" sz="1000" b="1" dirty="0">
+                <a:solidFill>
+                  <a:sysClr val="windowText" lastClr="000000"/>
+                </a:solidFill>
+              </a:rPr>
+              <a:t>C(p) = </a:t>
+            </a:r>
+          </a:p>
+          <a:p>
+            <a:pPr algn="ctr"/>
+            <a:endParaRPr lang="fr-FR" sz="1000" b="1" dirty="0">
+              <a:solidFill>
+                <a:sysClr val="windowText" lastClr="000000"/>
+              </a:solidFill>
+            </a:endParaRPr>
+          </a:p>
+        </p:txBody>
+      </p:sp>
+      <p:sp>
+        <p:nvSpPr>
+          <p:cNvPr id="18" name="Rectangle 17">
+            <a:extLst>
+              <a:ext uri="{FF2B5EF4-FFF2-40B4-BE49-F238E27FC236}">
+                <a16:creationId xmlns:a16="http://schemas.microsoft.com/office/drawing/2014/main" id="{4F3DB9DF-F9D3-4E5D-8B12-BE6FECD46A54}"/>
+              </a:ext>
+            </a:extLst>
+          </p:cNvPr>
+          <p:cNvSpPr/>
+          <p:nvPr/>
+        </p:nvSpPr>
+        <p:spPr>
+          <a:xfrm>
+            <a:off x="2058529" y="3768687"/>
+            <a:ext cx="6113869" cy="288032"/>
+          </a:xfrm>
+          <a:prstGeom prst="rect">
+            <a:avLst/>
+          </a:prstGeom>
+          <a:solidFill>
+            <a:schemeClr val="accent2">
+              <a:lumMod val="20000"/>
+              <a:lumOff val="80000"/>
+            </a:schemeClr>
+          </a:solidFill>
+          <a:ln w="9525">
+            <a:solidFill>
+              <a:schemeClr val="accent2"/>
+            </a:solidFill>
+          </a:ln>
+        </p:spPr>
+        <p:style>
+          <a:lnRef idx="2">
+            <a:schemeClr val="accent1">
+              <a:shade val="50000"/>
+            </a:schemeClr>
+          </a:lnRef>
+          <a:fillRef idx="1">
+            <a:schemeClr val="accent1"/>
+          </a:fillRef>
+          <a:effectRef idx="0">
+            <a:schemeClr val="accent1"/>
+          </a:effectRef>
+          <a:fontRef idx="minor">
+            <a:schemeClr val="lt1"/>
+          </a:fontRef>
+        </p:style>
+        <p:txBody>
+          <a:bodyPr rtlCol="0" anchor="ctr"/>
+          <a:lstStyle/>
+          <a:p>
+            <a:pPr algn="ctr"/>
+            <a:r>
+              <a:rPr lang="fr-FR" sz="1000" dirty="0">
+                <a:solidFill>
+                  <a:sysClr val="windowText" lastClr="000000"/>
+                </a:solidFill>
+              </a:rPr>
+              <a:t>Domaine de la modélisation</a:t>
+            </a:r>
+          </a:p>
+        </p:txBody>
+      </p:sp>
+      <p:pic>
+        <p:nvPicPr>
+          <p:cNvPr id="21" name="Image 20">
+            <a:extLst>
+              <a:ext uri="{FF2B5EF4-FFF2-40B4-BE49-F238E27FC236}">
+                <a16:creationId xmlns:a16="http://schemas.microsoft.com/office/drawing/2014/main" id="{E080CD33-CFE6-42C3-B985-D5471081D5CB}"/>
+              </a:ext>
+            </a:extLst>
+          </p:cNvPr>
+          <p:cNvPicPr>
+            <a:picLocks noChangeAspect="1"/>
+          </p:cNvPicPr>
+          <p:nvPr/>
+        </p:nvPicPr>
+        <p:blipFill>
+          <a:blip r:embed="rId2" cstate="print">
+            <a:extLst>
+              <a:ext uri="{28A0092B-C50C-407E-A947-70E740481C1C}">
+                <a14:useLocalDpi xmlns:a14="http://schemas.microsoft.com/office/drawing/2010/main" val="0"/>
+              </a:ext>
+            </a:extLst>
+          </a:blip>
+          <a:stretch>
+            <a:fillRect/>
+          </a:stretch>
+        </p:blipFill>
+        <p:spPr>
+          <a:xfrm>
+            <a:off x="501534" y="4221088"/>
+            <a:ext cx="1402834" cy="1903846"/>
+          </a:xfrm>
+          <a:prstGeom prst="rect">
+            <a:avLst/>
+          </a:prstGeom>
+        </p:spPr>
+      </p:pic>
+      <p:sp>
+        <p:nvSpPr>
+          <p:cNvPr id="22" name="Rectangle 21">
+            <a:extLst>
+              <a:ext uri="{FF2B5EF4-FFF2-40B4-BE49-F238E27FC236}">
+                <a16:creationId xmlns:a16="http://schemas.microsoft.com/office/drawing/2014/main" id="{704D3D81-CD48-43BF-88BA-E2E268F1523E}"/>
+              </a:ext>
+            </a:extLst>
+          </p:cNvPr>
+          <p:cNvSpPr/>
+          <p:nvPr/>
+        </p:nvSpPr>
+        <p:spPr>
+          <a:xfrm>
+            <a:off x="2208424" y="5173010"/>
+            <a:ext cx="1156991" cy="848277"/>
+          </a:xfrm>
+          <a:prstGeom prst="rect">
+            <a:avLst/>
+          </a:prstGeom>
+          <a:solidFill>
+            <a:schemeClr val="accent2">
+              <a:lumMod val="20000"/>
+              <a:lumOff val="80000"/>
+            </a:schemeClr>
+          </a:solidFill>
+          <a:ln w="9525">
+            <a:solidFill>
+              <a:schemeClr val="accent2"/>
+            </a:solidFill>
+          </a:ln>
+        </p:spPr>
+        <p:style>
+          <a:lnRef idx="2">
+            <a:schemeClr val="accent1">
+              <a:shade val="50000"/>
+            </a:schemeClr>
+          </a:lnRef>
+          <a:fillRef idx="1">
+            <a:schemeClr val="accent1"/>
+          </a:fillRef>
+          <a:effectRef idx="0">
+            <a:schemeClr val="accent1"/>
+          </a:effectRef>
+          <a:fontRef idx="minor">
+            <a:schemeClr val="lt1"/>
+          </a:fontRef>
+        </p:style>
+        <p:txBody>
+          <a:bodyPr rtlCol="0" anchor="t"/>
+          <a:lstStyle/>
+          <a:p>
+            <a:pPr algn="ctr"/>
+            <a:endParaRPr lang="fr-FR" sz="1000" b="1" dirty="0">
+              <a:solidFill>
+                <a:sysClr val="windowText" lastClr="000000"/>
+              </a:solidFill>
+            </a:endParaRPr>
+          </a:p>
+        </p:txBody>
+      </p:sp>
+      <mc:AlternateContent xmlns:mc="http://schemas.openxmlformats.org/markup-compatibility/2006">
+        <mc:Choice xmlns:a14="http://schemas.microsoft.com/office/drawing/2010/main" Requires="a14">
+          <p:sp>
+            <p:nvSpPr>
+              <p:cNvPr id="23" name="Rectangle 22">
+                <a:extLst>
+                  <a:ext uri="{FF2B5EF4-FFF2-40B4-BE49-F238E27FC236}">
+                    <a16:creationId xmlns:a16="http://schemas.microsoft.com/office/drawing/2014/main" id="{2322A829-A5CF-4A70-967C-11B6BA48411F}"/>
+                  </a:ext>
+                </a:extLst>
+              </p:cNvPr>
+              <p:cNvSpPr/>
+              <p:nvPr/>
+            </p:nvSpPr>
+            <p:spPr>
+              <a:xfrm>
+                <a:off x="3851920" y="4868869"/>
+                <a:ext cx="1872208" cy="1152418"/>
+              </a:xfrm>
+              <a:prstGeom prst="rect">
+                <a:avLst/>
+              </a:prstGeom>
+              <a:solidFill>
+                <a:schemeClr val="accent2">
+                  <a:lumMod val="20000"/>
+                  <a:lumOff val="80000"/>
+                </a:schemeClr>
+              </a:solidFill>
+              <a:ln w="9525">
+                <a:solidFill>
+                  <a:schemeClr val="accent2"/>
+                </a:solidFill>
+              </a:ln>
+            </p:spPr>
+            <p:style>
+              <a:lnRef idx="2">
+                <a:schemeClr val="accent1">
+                  <a:shade val="50000"/>
+                </a:schemeClr>
+              </a:lnRef>
+              <a:fillRef idx="1">
+                <a:schemeClr val="accent1"/>
+              </a:fillRef>
+              <a:effectRef idx="0">
+                <a:schemeClr val="accent1"/>
+              </a:effectRef>
+              <a:fontRef idx="minor">
+                <a:schemeClr val="lt1"/>
+              </a:fontRef>
+            </p:style>
+            <p:txBody>
+              <a:bodyPr rtlCol="0" anchor="t"/>
+              <a:lstStyle/>
+              <a:p>
+                <a:pPr algn="ctr"/>
+                <a14:m>
+                  <m:oMathPara xmlns:m="http://schemas.openxmlformats.org/officeDocument/2006/math">
+                    <m:oMathParaPr>
+                      <m:jc m:val="centerGroup"/>
+                    </m:oMathParaPr>
+                    <m:oMath xmlns:m="http://schemas.openxmlformats.org/officeDocument/2006/math">
+                      <m:sSub>
+                        <m:sSubPr>
+                          <m:ctrlPr>
+                            <a:rPr lang="fr-FR" sz="1000" b="1" i="1" smtClean="0">
+                              <a:solidFill>
+                                <a:sysClr val="windowText" lastClr="000000"/>
+                              </a:solidFill>
+                              <a:latin typeface="Cambria Math" panose="02040503050406030204" pitchFamily="18" charset="0"/>
+                            </a:rPr>
+                          </m:ctrlPr>
+                        </m:sSubPr>
+                        <m:e>
+                          <m:r>
+                            <a:rPr lang="fr-FR" sz="1000" b="1" i="1" smtClean="0">
+                              <a:solidFill>
+                                <a:sysClr val="windowText" lastClr="000000"/>
+                              </a:solidFill>
+                              <a:latin typeface="Cambria Math" panose="02040503050406030204" pitchFamily="18" charset="0"/>
+                            </a:rPr>
+                            <m:t>𝝎</m:t>
+                          </m:r>
+                        </m:e>
+                        <m:sub>
+                          <m:r>
+                            <a:rPr lang="fr-FR" sz="1000" b="1" i="1" smtClean="0">
+                              <a:solidFill>
+                                <a:sysClr val="windowText" lastClr="000000"/>
+                              </a:solidFill>
+                              <a:latin typeface="Cambria Math" panose="02040503050406030204" pitchFamily="18" charset="0"/>
+                            </a:rPr>
+                            <m:t>𝒒𝒖𝒊𝒍𝒍𝒆</m:t>
+                          </m:r>
+                        </m:sub>
+                      </m:sSub>
+                      <m:r>
+                        <a:rPr lang="fr-FR" sz="1000" b="1" i="1" smtClean="0">
+                          <a:solidFill>
+                            <a:sysClr val="windowText" lastClr="000000"/>
+                          </a:solidFill>
+                          <a:latin typeface="Cambria Math" panose="02040503050406030204" pitchFamily="18" charset="0"/>
+                        </a:rPr>
+                        <m:t>=                                    </m:t>
+                      </m:r>
+                    </m:oMath>
+                  </m:oMathPara>
+                </a14:m>
+                <a:endParaRPr lang="fr-FR" sz="1000" b="1" dirty="0">
+                  <a:solidFill>
+                    <a:sysClr val="windowText" lastClr="000000"/>
+                  </a:solidFill>
+                </a:endParaRPr>
+              </a:p>
+              <a:p>
+                <a:pPr algn="ctr"/>
+                <a:r>
+                  <a:rPr lang="fr-FR" sz="1000" b="1" dirty="0">
+                    <a:solidFill>
+                      <a:sysClr val="windowText" lastClr="000000"/>
+                    </a:solidFill>
+                  </a:rPr>
+                  <a:t>Ecart = ……………………………</a:t>
+                </a:r>
+              </a:p>
+              <a:p>
+                <a:pPr algn="ctr"/>
+                <a:endParaRPr lang="fr-FR" sz="1000" b="1" dirty="0">
+                  <a:solidFill>
+                    <a:sysClr val="windowText" lastClr="000000"/>
+                  </a:solidFill>
+                </a:endParaRPr>
+              </a:p>
+              <a:p>
+                <a:pPr algn="ctr"/>
+                <a:endParaRPr lang="fr-FR" sz="1000" b="1" dirty="0">
+                  <a:solidFill>
+                    <a:sysClr val="windowText" lastClr="000000"/>
+                  </a:solidFill>
+                </a:endParaRPr>
+              </a:p>
+              <a:p>
+                <a:pPr algn="ctr"/>
+                <a14:m>
+                  <m:oMathPara xmlns:m="http://schemas.openxmlformats.org/officeDocument/2006/math">
+                    <m:oMathParaPr>
+                      <m:jc m:val="centerGroup"/>
+                    </m:oMathParaPr>
+                    <m:oMath xmlns:m="http://schemas.openxmlformats.org/officeDocument/2006/math">
+                      <m:sSub>
+                        <m:sSubPr>
+                          <m:ctrlPr>
+                            <a:rPr lang="fr-FR" sz="1000" b="1" i="1">
+                              <a:solidFill>
+                                <a:sysClr val="windowText" lastClr="000000"/>
+                              </a:solidFill>
+                              <a:latin typeface="Cambria Math" panose="02040503050406030204" pitchFamily="18" charset="0"/>
+                            </a:rPr>
+                          </m:ctrlPr>
+                        </m:sSubPr>
+                        <m:e>
+                          <m:r>
+                            <a:rPr lang="fr-FR" sz="1000" b="1" i="1" smtClean="0">
+                              <a:solidFill>
+                                <a:sysClr val="windowText" lastClr="000000"/>
+                              </a:solidFill>
+                              <a:latin typeface="Cambria Math" panose="02040503050406030204" pitchFamily="18" charset="0"/>
+                            </a:rPr>
+                            <m:t>𝑻</m:t>
+                          </m:r>
+                        </m:e>
+                        <m:sub>
+                          <m:r>
+                            <a:rPr lang="fr-FR" sz="1000" b="1" i="1" smtClean="0">
+                              <a:solidFill>
+                                <a:sysClr val="windowText" lastClr="000000"/>
+                              </a:solidFill>
+                              <a:latin typeface="Cambria Math" panose="02040503050406030204" pitchFamily="18" charset="0"/>
+                            </a:rPr>
+                            <m:t>𝟓</m:t>
+                          </m:r>
+                          <m:r>
+                            <a:rPr lang="fr-FR" sz="1000" b="1" i="1" smtClean="0">
+                              <a:solidFill>
+                                <a:sysClr val="windowText" lastClr="000000"/>
+                              </a:solidFill>
+                              <a:latin typeface="Cambria Math" panose="02040503050406030204" pitchFamily="18" charset="0"/>
+                            </a:rPr>
+                            <m:t>%</m:t>
+                          </m:r>
+                        </m:sub>
+                      </m:sSub>
+                      <m:r>
+                        <a:rPr lang="fr-FR" sz="1000" b="1" i="1">
+                          <a:solidFill>
+                            <a:sysClr val="windowText" lastClr="000000"/>
+                          </a:solidFill>
+                          <a:latin typeface="Cambria Math" panose="02040503050406030204" pitchFamily="18" charset="0"/>
+                        </a:rPr>
+                        <m:t>=                                    </m:t>
+                      </m:r>
+                    </m:oMath>
+                  </m:oMathPara>
+                </a14:m>
+                <a:endParaRPr lang="fr-FR" sz="1000" b="1" dirty="0">
+                  <a:solidFill>
+                    <a:sysClr val="windowText" lastClr="000000"/>
+                  </a:solidFill>
+                </a:endParaRPr>
+              </a:p>
+              <a:p>
+                <a:pPr algn="ctr"/>
+                <a:r>
+                  <a:rPr lang="fr-FR" sz="1000" b="1" dirty="0">
+                    <a:solidFill>
+                      <a:sysClr val="windowText" lastClr="000000"/>
+                    </a:solidFill>
+                  </a:rPr>
+                  <a:t>Ecart = ……………………………</a:t>
+                </a:r>
+              </a:p>
+              <a:p>
+                <a:pPr algn="ctr"/>
+                <a:endParaRPr lang="fr-FR" sz="1000" b="1" dirty="0">
+                  <a:solidFill>
+                    <a:sysClr val="windowText" lastClr="000000"/>
+                  </a:solidFill>
+                </a:endParaRPr>
+              </a:p>
+              <a:p>
+                <a:pPr algn="ctr"/>
+                <a:endParaRPr lang="fr-FR" sz="1000" b="1" dirty="0">
+                  <a:solidFill>
+                    <a:sysClr val="windowText" lastClr="000000"/>
+                  </a:solidFill>
+                </a:endParaRPr>
+              </a:p>
+              <a:p>
+                <a:pPr algn="ctr"/>
+                <a:endParaRPr lang="fr-FR" sz="1000" b="1" dirty="0">
+                  <a:solidFill>
+                    <a:sysClr val="windowText" lastClr="000000"/>
+                  </a:solidFill>
+                </a:endParaRPr>
+              </a:p>
+            </p:txBody>
+          </p:sp>
+        </mc:Choice>
+        <mc:Fallback>
+          <p:sp>
+            <p:nvSpPr>
+              <p:cNvPr id="23" name="Rectangle 22">
+                <a:extLst>
+                  <a:ext uri="{FF2B5EF4-FFF2-40B4-BE49-F238E27FC236}">
+                    <a16:creationId xmlns:a16="http://schemas.microsoft.com/office/drawing/2014/main" id="{2322A829-A5CF-4A70-967C-11B6BA48411F}"/>
+                  </a:ext>
+                </a:extLst>
+              </p:cNvPr>
+              <p:cNvSpPr>
+                <a:spLocks noRot="1" noChangeAspect="1" noMove="1" noResize="1" noEditPoints="1" noAdjustHandles="1" noChangeArrowheads="1" noChangeShapeType="1" noTextEdit="1"/>
+              </p:cNvSpPr>
+              <p:nvPr/>
+            </p:nvSpPr>
+            <p:spPr>
+              <a:xfrm>
+                <a:off x="3851920" y="4868869"/>
+                <a:ext cx="1872208" cy="1152418"/>
+              </a:xfrm>
+              <a:prstGeom prst="rect">
+                <a:avLst/>
+              </a:prstGeom>
+              <a:blipFill>
+                <a:blip r:embed="rId3"/>
+                <a:stretch>
+                  <a:fillRect/>
+                </a:stretch>
+              </a:blipFill>
+              <a:ln w="9525">
+                <a:solidFill>
+                  <a:schemeClr val="accent2"/>
+                </a:solidFill>
+              </a:ln>
+            </p:spPr>
+            <p:txBody>
+              <a:bodyPr/>
+              <a:lstStyle/>
+              <a:p>
+                <a:r>
+                  <a:rPr lang="fr-FR">
+                    <a:noFill/>
+                  </a:rPr>
+                  <a:t> </a:t>
+                </a:r>
+              </a:p>
+            </p:txBody>
+          </p:sp>
+        </mc:Fallback>
+      </mc:AlternateContent>
+      <mc:AlternateContent xmlns:mc="http://schemas.openxmlformats.org/markup-compatibility/2006">
+        <mc:Choice xmlns:a14="http://schemas.microsoft.com/office/drawing/2010/main" Requires="a14">
+          <p:sp>
+            <p:nvSpPr>
+              <p:cNvPr id="24" name="Rectangle 23">
+                <a:extLst>
+                  <a:ext uri="{FF2B5EF4-FFF2-40B4-BE49-F238E27FC236}">
+                    <a16:creationId xmlns:a16="http://schemas.microsoft.com/office/drawing/2014/main" id="{2AC5ABBD-298F-48B4-A06D-4618936059CF}"/>
+                  </a:ext>
+                </a:extLst>
+              </p:cNvPr>
+              <p:cNvSpPr/>
+              <p:nvPr/>
+            </p:nvSpPr>
+            <p:spPr>
+              <a:xfrm>
+                <a:off x="6120977" y="4868869"/>
+                <a:ext cx="1872208" cy="1152418"/>
+              </a:xfrm>
+              <a:prstGeom prst="rect">
+                <a:avLst/>
+              </a:prstGeom>
+              <a:solidFill>
+                <a:schemeClr val="accent2">
+                  <a:lumMod val="20000"/>
+                  <a:lumOff val="80000"/>
+                </a:schemeClr>
+              </a:solidFill>
+              <a:ln w="9525">
+                <a:solidFill>
+                  <a:schemeClr val="accent2"/>
+                </a:solidFill>
+              </a:ln>
+            </p:spPr>
+            <p:style>
+              <a:lnRef idx="2">
+                <a:schemeClr val="accent1">
+                  <a:shade val="50000"/>
+                </a:schemeClr>
+              </a:lnRef>
+              <a:fillRef idx="1">
+                <a:schemeClr val="accent1"/>
+              </a:fillRef>
+              <a:effectRef idx="0">
+                <a:schemeClr val="accent1"/>
+              </a:effectRef>
+              <a:fontRef idx="minor">
+                <a:schemeClr val="lt1"/>
+              </a:fontRef>
+            </p:style>
+            <p:txBody>
+              <a:bodyPr rtlCol="0" anchor="t"/>
+              <a:lstStyle/>
+              <a:p>
+                <a:pPr algn="ctr"/>
+                <a14:m>
+                  <m:oMathPara xmlns:m="http://schemas.openxmlformats.org/officeDocument/2006/math">
+                    <m:oMathParaPr>
+                      <m:jc m:val="centerGroup"/>
+                    </m:oMathParaPr>
+                    <m:oMath xmlns:m="http://schemas.openxmlformats.org/officeDocument/2006/math">
+                      <m:sSub>
+                        <m:sSubPr>
+                          <m:ctrlPr>
+                            <a:rPr lang="fr-FR" sz="1000" b="1" i="1" smtClean="0">
+                              <a:solidFill>
+                                <a:sysClr val="windowText" lastClr="000000"/>
+                              </a:solidFill>
+                              <a:latin typeface="Cambria Math" panose="02040503050406030204" pitchFamily="18" charset="0"/>
+                            </a:rPr>
+                          </m:ctrlPr>
+                        </m:sSubPr>
+                        <m:e>
+                          <m:r>
+                            <a:rPr lang="fr-FR" sz="1000" b="1" i="1" smtClean="0">
+                              <a:solidFill>
+                                <a:sysClr val="windowText" lastClr="000000"/>
+                              </a:solidFill>
+                              <a:latin typeface="Cambria Math" panose="02040503050406030204" pitchFamily="18" charset="0"/>
+                            </a:rPr>
+                            <m:t>𝝎</m:t>
+                          </m:r>
+                        </m:e>
+                        <m:sub>
+                          <m:r>
+                            <a:rPr lang="fr-FR" sz="1000" b="1" i="1" smtClean="0">
+                              <a:solidFill>
+                                <a:sysClr val="windowText" lastClr="000000"/>
+                              </a:solidFill>
+                              <a:latin typeface="Cambria Math" panose="02040503050406030204" pitchFamily="18" charset="0"/>
+                            </a:rPr>
+                            <m:t>𝒒𝒖𝒊𝒍𝒍𝒆</m:t>
+                          </m:r>
+                        </m:sub>
+                      </m:sSub>
+                      <m:r>
+                        <a:rPr lang="fr-FR" sz="1000" b="1" i="1" smtClean="0">
+                          <a:solidFill>
+                            <a:sysClr val="windowText" lastClr="000000"/>
+                          </a:solidFill>
+                          <a:latin typeface="Cambria Math" panose="02040503050406030204" pitchFamily="18" charset="0"/>
+                        </a:rPr>
+                        <m:t>=                                    </m:t>
+                      </m:r>
+                    </m:oMath>
+                  </m:oMathPara>
+                </a14:m>
+                <a:endParaRPr lang="fr-FR" sz="1000" b="1" dirty="0">
+                  <a:solidFill>
+                    <a:sysClr val="windowText" lastClr="000000"/>
+                  </a:solidFill>
+                </a:endParaRPr>
+              </a:p>
+              <a:p>
+                <a:pPr algn="ctr"/>
+                <a:r>
+                  <a:rPr lang="fr-FR" sz="1000" b="1" dirty="0">
+                    <a:solidFill>
+                      <a:sysClr val="windowText" lastClr="000000"/>
+                    </a:solidFill>
+                  </a:rPr>
+                  <a:t>Ecart = ……………………………</a:t>
+                </a:r>
+              </a:p>
+              <a:p>
+                <a:pPr algn="ctr"/>
+                <a:endParaRPr lang="fr-FR" sz="1000" b="1" dirty="0">
+                  <a:solidFill>
+                    <a:sysClr val="windowText" lastClr="000000"/>
+                  </a:solidFill>
+                </a:endParaRPr>
+              </a:p>
+              <a:p>
+                <a:pPr algn="ctr"/>
+                <a:endParaRPr lang="fr-FR" sz="1000" b="1" dirty="0">
+                  <a:solidFill>
+                    <a:sysClr val="windowText" lastClr="000000"/>
+                  </a:solidFill>
+                </a:endParaRPr>
+              </a:p>
+              <a:p>
+                <a:pPr algn="ctr"/>
+                <a14:m>
+                  <m:oMathPara xmlns:m="http://schemas.openxmlformats.org/officeDocument/2006/math">
+                    <m:oMathParaPr>
+                      <m:jc m:val="centerGroup"/>
+                    </m:oMathParaPr>
+                    <m:oMath xmlns:m="http://schemas.openxmlformats.org/officeDocument/2006/math">
+                      <m:sSub>
+                        <m:sSubPr>
+                          <m:ctrlPr>
+                            <a:rPr lang="fr-FR" sz="1000" b="1" i="1">
+                              <a:solidFill>
+                                <a:sysClr val="windowText" lastClr="000000"/>
+                              </a:solidFill>
+                              <a:latin typeface="Cambria Math" panose="02040503050406030204" pitchFamily="18" charset="0"/>
+                            </a:rPr>
+                          </m:ctrlPr>
+                        </m:sSubPr>
+                        <m:e>
+                          <m:r>
+                            <a:rPr lang="fr-FR" sz="1000" b="1" i="1" smtClean="0">
+                              <a:solidFill>
+                                <a:sysClr val="windowText" lastClr="000000"/>
+                              </a:solidFill>
+                              <a:latin typeface="Cambria Math" panose="02040503050406030204" pitchFamily="18" charset="0"/>
+                            </a:rPr>
+                            <m:t>𝑻</m:t>
+                          </m:r>
+                        </m:e>
+                        <m:sub>
+                          <m:r>
+                            <a:rPr lang="fr-FR" sz="1000" b="1" i="1" smtClean="0">
+                              <a:solidFill>
+                                <a:sysClr val="windowText" lastClr="000000"/>
+                              </a:solidFill>
+                              <a:latin typeface="Cambria Math" panose="02040503050406030204" pitchFamily="18" charset="0"/>
+                            </a:rPr>
+                            <m:t>𝟓</m:t>
+                          </m:r>
+                          <m:r>
+                            <a:rPr lang="fr-FR" sz="1000" b="1" i="1" smtClean="0">
+                              <a:solidFill>
+                                <a:sysClr val="windowText" lastClr="000000"/>
+                              </a:solidFill>
+                              <a:latin typeface="Cambria Math" panose="02040503050406030204" pitchFamily="18" charset="0"/>
+                            </a:rPr>
+                            <m:t>%</m:t>
+                          </m:r>
+                        </m:sub>
+                      </m:sSub>
+                      <m:r>
+                        <a:rPr lang="fr-FR" sz="1000" b="1" i="1">
+                          <a:solidFill>
+                            <a:sysClr val="windowText" lastClr="000000"/>
+                          </a:solidFill>
+                          <a:latin typeface="Cambria Math" panose="02040503050406030204" pitchFamily="18" charset="0"/>
+                        </a:rPr>
+                        <m:t>=                                    </m:t>
+                      </m:r>
+                    </m:oMath>
+                  </m:oMathPara>
+                </a14:m>
+                <a:endParaRPr lang="fr-FR" sz="1000" b="1" dirty="0">
+                  <a:solidFill>
+                    <a:sysClr val="windowText" lastClr="000000"/>
+                  </a:solidFill>
+                </a:endParaRPr>
+              </a:p>
+              <a:p>
+                <a:pPr algn="ctr"/>
+                <a:r>
+                  <a:rPr lang="fr-FR" sz="1000" b="1" dirty="0">
+                    <a:solidFill>
+                      <a:sysClr val="windowText" lastClr="000000"/>
+                    </a:solidFill>
+                  </a:rPr>
+                  <a:t>Ecart = ……………………………</a:t>
+                </a:r>
+              </a:p>
+              <a:p>
+                <a:pPr algn="ctr"/>
+                <a:endParaRPr lang="fr-FR" sz="1000" b="1" dirty="0">
+                  <a:solidFill>
+                    <a:sysClr val="windowText" lastClr="000000"/>
+                  </a:solidFill>
+                </a:endParaRPr>
+              </a:p>
+              <a:p>
+                <a:pPr algn="ctr"/>
+                <a:endParaRPr lang="fr-FR" sz="1000" b="1" dirty="0">
+                  <a:solidFill>
+                    <a:sysClr val="windowText" lastClr="000000"/>
+                  </a:solidFill>
+                </a:endParaRPr>
+              </a:p>
+              <a:p>
+                <a:pPr algn="ctr"/>
+                <a:endParaRPr lang="fr-FR" sz="1000" b="1" dirty="0">
+                  <a:solidFill>
+                    <a:sysClr val="windowText" lastClr="000000"/>
+                  </a:solidFill>
+                </a:endParaRPr>
+              </a:p>
+            </p:txBody>
+          </p:sp>
+        </mc:Choice>
+        <mc:Fallback>
+          <p:sp>
+            <p:nvSpPr>
+              <p:cNvPr id="24" name="Rectangle 23">
+                <a:extLst>
+                  <a:ext uri="{FF2B5EF4-FFF2-40B4-BE49-F238E27FC236}">
+                    <a16:creationId xmlns:a16="http://schemas.microsoft.com/office/drawing/2014/main" id="{2AC5ABBD-298F-48B4-A06D-4618936059CF}"/>
+                  </a:ext>
+                </a:extLst>
+              </p:cNvPr>
+              <p:cNvSpPr>
+                <a:spLocks noRot="1" noChangeAspect="1" noMove="1" noResize="1" noEditPoints="1" noAdjustHandles="1" noChangeArrowheads="1" noChangeShapeType="1" noTextEdit="1"/>
+              </p:cNvSpPr>
+              <p:nvPr/>
+            </p:nvSpPr>
+            <p:spPr>
+              <a:xfrm>
+                <a:off x="6120977" y="4868869"/>
+                <a:ext cx="1872208" cy="1152418"/>
+              </a:xfrm>
+              <a:prstGeom prst="rect">
+                <a:avLst/>
+              </a:prstGeom>
+              <a:blipFill>
+                <a:blip r:embed="rId3"/>
+                <a:stretch>
+                  <a:fillRect/>
+                </a:stretch>
+              </a:blipFill>
+              <a:ln w="9525">
+                <a:solidFill>
+                  <a:schemeClr val="accent2"/>
+                </a:solidFill>
+              </a:ln>
+            </p:spPr>
+            <p:txBody>
+              <a:bodyPr/>
+              <a:lstStyle/>
+              <a:p>
+                <a:r>
+                  <a:rPr lang="fr-FR">
+                    <a:noFill/>
+                  </a:rPr>
+                  <a:t> </a:t>
+                </a:r>
+              </a:p>
+            </p:txBody>
+          </p:sp>
+        </mc:Fallback>
+      </mc:AlternateContent>
+    </p:spTree>
+    <p:extLst>
+      <p:ext uri="{BB962C8B-B14F-4D97-AF65-F5344CB8AC3E}">
+        <p14:creationId xmlns:p14="http://schemas.microsoft.com/office/powerpoint/2010/main" val="4238515606"/>
+      </p:ext>
+    </p:extLst>
+  </p:cSld>
+  <p:clrMapOvr>
+    <a:masterClrMapping/>
+  </p:clrMapOvr>
+</p:sld>
+</file>
+
+<file path=ppt/slides/slide5.xml><?xml version="1.0" encoding="utf-8"?>
+<p:sld xmlns:a="http://schemas.openxmlformats.org/drawingml/2006/main" xmlns:r="http://schemas.openxmlformats.org/officeDocument/2006/relationships" xmlns:p="http://schemas.openxmlformats.org/presentationml/2006/main">
+  <p:cSld>
+    <p:spTree>
+      <p:nvGrpSpPr>
+        <p:cNvPr id="1" name=""/>
+        <p:cNvGrpSpPr/>
+        <p:nvPr/>
+      </p:nvGrpSpPr>
+      <p:grpSpPr>
+        <a:xfrm>
+          <a:off x="0" y="0"/>
+          <a:ext cx="0" cy="0"/>
+          <a:chOff x="0" y="0"/>
+          <a:chExt cx="0" cy="0"/>
+        </a:xfrm>
+      </p:grpSpPr>
+      <p:sp>
+        <p:nvSpPr>
+          <p:cNvPr id="4" name="Rectangle 3">
+            <a:extLst>
+              <a:ext uri="{FF2B5EF4-FFF2-40B4-BE49-F238E27FC236}">
+                <a16:creationId xmlns:a16="http://schemas.microsoft.com/office/drawing/2014/main" id="{CCD8A412-F8A7-4DC9-AF17-7804AFF98FA5}"/>
+              </a:ext>
+            </a:extLst>
+          </p:cNvPr>
+          <p:cNvSpPr/>
+          <p:nvPr/>
+        </p:nvSpPr>
+        <p:spPr>
+          <a:xfrm>
+            <a:off x="467544" y="3768687"/>
+            <a:ext cx="1440160" cy="288032"/>
+          </a:xfrm>
+          <a:prstGeom prst="rect">
+            <a:avLst/>
+          </a:prstGeom>
+          <a:solidFill>
+            <a:schemeClr val="accent5">
+              <a:lumMod val="20000"/>
+              <a:lumOff val="80000"/>
+            </a:schemeClr>
+          </a:solidFill>
+          <a:ln w="9525">
+            <a:solidFill>
+              <a:schemeClr val="accent5">
+                <a:lumMod val="50000"/>
+              </a:schemeClr>
+            </a:solidFill>
+          </a:ln>
+        </p:spPr>
+        <p:style>
+          <a:lnRef idx="2">
+            <a:schemeClr val="accent1">
+              <a:shade val="50000"/>
+            </a:schemeClr>
+          </a:lnRef>
+          <a:fillRef idx="1">
+            <a:schemeClr val="accent1"/>
+          </a:fillRef>
+          <a:effectRef idx="0">
+            <a:schemeClr val="accent1"/>
+          </a:effectRef>
+          <a:fontRef idx="minor">
+            <a:schemeClr val="lt1"/>
+          </a:fontRef>
+        </p:style>
+        <p:txBody>
+          <a:bodyPr rtlCol="0" anchor="ctr"/>
+          <a:lstStyle/>
+          <a:p>
+            <a:pPr algn="ctr"/>
+            <a:r>
+              <a:rPr lang="fr-FR" sz="1000" dirty="0">
+                <a:solidFill>
+                  <a:sysClr val="windowText" lastClr="000000"/>
+                </a:solidFill>
+              </a:rPr>
+              <a:t>Domaine du client</a:t>
+            </a:r>
+          </a:p>
+        </p:txBody>
+      </p:sp>
+      <p:sp>
+        <p:nvSpPr>
+          <p:cNvPr id="5" name="Rectangle 4">
+            <a:extLst>
+              <a:ext uri="{FF2B5EF4-FFF2-40B4-BE49-F238E27FC236}">
+                <a16:creationId xmlns:a16="http://schemas.microsoft.com/office/drawing/2014/main" id="{99FA396F-38B4-40A3-AFF5-054E45215320}"/>
+              </a:ext>
+            </a:extLst>
+          </p:cNvPr>
+          <p:cNvSpPr/>
+          <p:nvPr/>
+        </p:nvSpPr>
+        <p:spPr>
+          <a:xfrm>
+            <a:off x="467544" y="4151958"/>
+            <a:ext cx="1440160" cy="2013345"/>
+          </a:xfrm>
+          <a:prstGeom prst="rect">
+            <a:avLst/>
+          </a:prstGeom>
+          <a:solidFill>
+            <a:schemeClr val="accent5">
+              <a:lumMod val="20000"/>
+              <a:lumOff val="80000"/>
+            </a:schemeClr>
+          </a:solidFill>
+          <a:ln w="9525">
+            <a:solidFill>
+              <a:schemeClr val="accent5">
+                <a:lumMod val="50000"/>
+              </a:schemeClr>
+            </a:solidFill>
+          </a:ln>
+        </p:spPr>
+        <p:style>
+          <a:lnRef idx="2">
+            <a:schemeClr val="accent1">
+              <a:shade val="50000"/>
+            </a:schemeClr>
+          </a:lnRef>
+          <a:fillRef idx="1">
+            <a:schemeClr val="accent1"/>
+          </a:fillRef>
+          <a:effectRef idx="0">
+            <a:schemeClr val="accent1"/>
+          </a:effectRef>
+          <a:fontRef idx="minor">
+            <a:schemeClr val="lt1"/>
+          </a:fontRef>
+        </p:style>
+        <p:txBody>
+          <a:bodyPr rtlCol="0" anchor="ctr"/>
+          <a:lstStyle/>
+          <a:p>
+            <a:pPr algn="ctr"/>
+            <a:endParaRPr lang="fr-FR" sz="1000" dirty="0">
+              <a:solidFill>
+                <a:sysClr val="windowText" lastClr="000000"/>
+              </a:solidFill>
+            </a:endParaRPr>
+          </a:p>
+        </p:txBody>
+      </p:sp>
+      <p:sp>
+        <p:nvSpPr>
+          <p:cNvPr id="14" name="Rectangle 13">
+            <a:extLst>
+              <a:ext uri="{FF2B5EF4-FFF2-40B4-BE49-F238E27FC236}">
+                <a16:creationId xmlns:a16="http://schemas.microsoft.com/office/drawing/2014/main" id="{021DD29B-484A-4502-9F3E-C78CBAED9E4A}"/>
+              </a:ext>
+            </a:extLst>
+          </p:cNvPr>
+          <p:cNvSpPr/>
+          <p:nvPr/>
+        </p:nvSpPr>
+        <p:spPr>
+          <a:xfrm>
+            <a:off x="2066840" y="4147446"/>
+            <a:ext cx="1440160" cy="2013344"/>
+          </a:xfrm>
+          <a:prstGeom prst="rect">
+            <a:avLst/>
+          </a:prstGeom>
+          <a:solidFill>
+            <a:schemeClr val="accent2">
+              <a:lumMod val="20000"/>
+              <a:lumOff val="80000"/>
+            </a:schemeClr>
+          </a:solidFill>
+          <a:ln w="9525">
+            <a:solidFill>
+              <a:schemeClr val="accent2"/>
+            </a:solidFill>
+          </a:ln>
+        </p:spPr>
+        <p:style>
+          <a:lnRef idx="2">
+            <a:schemeClr val="accent1">
+              <a:shade val="50000"/>
+            </a:schemeClr>
+          </a:lnRef>
+          <a:fillRef idx="1">
+            <a:schemeClr val="accent1"/>
+          </a:fillRef>
+          <a:effectRef idx="0">
+            <a:schemeClr val="accent1"/>
+          </a:effectRef>
+          <a:fontRef idx="minor">
+            <a:schemeClr val="lt1"/>
+          </a:fontRef>
+        </p:style>
+        <p:txBody>
+          <a:bodyPr rtlCol="0" anchor="t"/>
+          <a:lstStyle/>
+          <a:p>
+            <a:pPr algn="ctr"/>
+            <a:r>
+              <a:rPr lang="fr-FR" sz="1000" b="1" dirty="0">
+                <a:solidFill>
+                  <a:sysClr val="windowText" lastClr="000000"/>
+                </a:solidFill>
+              </a:rPr>
+              <a:t>Modèle initial</a:t>
+            </a:r>
+          </a:p>
+        </p:txBody>
+      </p:sp>
+      <p:sp>
+        <p:nvSpPr>
+          <p:cNvPr id="15" name="Rectangle 14">
+            <a:extLst>
+              <a:ext uri="{FF2B5EF4-FFF2-40B4-BE49-F238E27FC236}">
+                <a16:creationId xmlns:a16="http://schemas.microsoft.com/office/drawing/2014/main" id="{7E499DE3-F9CB-486F-8539-FBFD70AD36EB}"/>
+              </a:ext>
+            </a:extLst>
+          </p:cNvPr>
+          <p:cNvSpPr/>
+          <p:nvPr/>
+        </p:nvSpPr>
+        <p:spPr>
+          <a:xfrm>
+            <a:off x="2208424" y="4437112"/>
+            <a:ext cx="1156991" cy="597344"/>
+          </a:xfrm>
+          <a:prstGeom prst="rect">
+            <a:avLst/>
+          </a:prstGeom>
+          <a:solidFill>
+            <a:schemeClr val="accent2">
+              <a:lumMod val="20000"/>
+              <a:lumOff val="80000"/>
+            </a:schemeClr>
+          </a:solidFill>
+          <a:ln w="9525">
+            <a:solidFill>
+              <a:schemeClr val="accent2"/>
+            </a:solidFill>
+          </a:ln>
+        </p:spPr>
+        <p:style>
+          <a:lnRef idx="2">
+            <a:schemeClr val="accent1">
+              <a:shade val="50000"/>
+            </a:schemeClr>
+          </a:lnRef>
+          <a:fillRef idx="1">
+            <a:schemeClr val="accent1"/>
+          </a:fillRef>
+          <a:effectRef idx="0">
+            <a:schemeClr val="accent1"/>
+          </a:effectRef>
+          <a:fontRef idx="minor">
+            <a:schemeClr val="lt1"/>
+          </a:fontRef>
+        </p:style>
+        <p:txBody>
+          <a:bodyPr rtlCol="0" anchor="t"/>
+          <a:lstStyle/>
+          <a:p>
+            <a:pPr algn="ctr"/>
+            <a:r>
+              <a:rPr lang="fr-FR" sz="1000" b="1" dirty="0">
+                <a:solidFill>
+                  <a:sysClr val="windowText" lastClr="000000"/>
+                </a:solidFill>
+              </a:rPr>
+              <a:t>Hypothèse de linéarisation du modèle</a:t>
+            </a:r>
+          </a:p>
+        </p:txBody>
+      </p:sp>
+      <p:sp>
+        <p:nvSpPr>
+          <p:cNvPr id="16" name="Rectangle 15">
+            <a:extLst>
+              <a:ext uri="{FF2B5EF4-FFF2-40B4-BE49-F238E27FC236}">
+                <a16:creationId xmlns:a16="http://schemas.microsoft.com/office/drawing/2014/main" id="{62F58962-618A-4E46-9E29-BD674564D4D8}"/>
+              </a:ext>
+            </a:extLst>
+          </p:cNvPr>
+          <p:cNvSpPr/>
+          <p:nvPr/>
+        </p:nvSpPr>
+        <p:spPr>
+          <a:xfrm>
+            <a:off x="3689863" y="4147446"/>
+            <a:ext cx="2160000" cy="2013341"/>
+          </a:xfrm>
+          <a:prstGeom prst="rect">
+            <a:avLst/>
+          </a:prstGeom>
+          <a:solidFill>
+            <a:schemeClr val="accent2">
+              <a:lumMod val="20000"/>
+              <a:lumOff val="80000"/>
+            </a:schemeClr>
+          </a:solidFill>
+          <a:ln w="9525">
+            <a:solidFill>
+              <a:schemeClr val="accent2"/>
+            </a:solidFill>
+          </a:ln>
+        </p:spPr>
+        <p:style>
+          <a:lnRef idx="2">
+            <a:schemeClr val="accent1">
+              <a:shade val="50000"/>
+            </a:schemeClr>
+          </a:lnRef>
+          <a:fillRef idx="1">
+            <a:schemeClr val="accent1"/>
+          </a:fillRef>
+          <a:effectRef idx="0">
+            <a:schemeClr val="accent1"/>
+          </a:effectRef>
+          <a:fontRef idx="minor">
+            <a:schemeClr val="lt1"/>
+          </a:fontRef>
+        </p:style>
+        <p:txBody>
+          <a:bodyPr rtlCol="0" anchor="t"/>
+          <a:lstStyle/>
+          <a:p>
+            <a:pPr algn="ctr"/>
+            <a:r>
+              <a:rPr lang="fr-FR" sz="1000" b="1" dirty="0">
+                <a:solidFill>
+                  <a:sysClr val="windowText" lastClr="000000"/>
+                </a:solidFill>
+              </a:rPr>
+              <a:t>Modèle linéaire </a:t>
+            </a:r>
+          </a:p>
+          <a:p>
+            <a:pPr algn="ctr"/>
+            <a:r>
+              <a:rPr lang="fr-FR" sz="1000" b="1" dirty="0">
+                <a:solidFill>
+                  <a:sysClr val="windowText" lastClr="000000"/>
+                </a:solidFill>
+              </a:rPr>
+              <a:t>Correcteur proportionnel</a:t>
+            </a:r>
+          </a:p>
+          <a:p>
+            <a:pPr algn="ctr"/>
+            <a:r>
+              <a:rPr lang="fr-FR" sz="1000" b="1" dirty="0">
+                <a:solidFill>
+                  <a:sysClr val="windowText" lastClr="000000"/>
+                </a:solidFill>
+              </a:rPr>
+              <a:t>C(p) = 0,44</a:t>
+            </a:r>
+          </a:p>
+        </p:txBody>
+      </p:sp>
+      <mc:AlternateContent xmlns:mc="http://schemas.openxmlformats.org/markup-compatibility/2006">
+        <mc:Choice xmlns:a14="http://schemas.microsoft.com/office/drawing/2010/main" Requires="a14">
+          <p:sp>
+            <p:nvSpPr>
+              <p:cNvPr id="17" name="Rectangle 16">
+                <a:extLst>
+                  <a:ext uri="{FF2B5EF4-FFF2-40B4-BE49-F238E27FC236}">
+                    <a16:creationId xmlns:a16="http://schemas.microsoft.com/office/drawing/2014/main" id="{4DD7F1ED-5C27-4AC2-905C-0490B80F936A}"/>
+                  </a:ext>
+                </a:extLst>
+              </p:cNvPr>
+              <p:cNvSpPr/>
+              <p:nvPr/>
+            </p:nvSpPr>
+            <p:spPr>
+              <a:xfrm>
+                <a:off x="6012160" y="4151958"/>
+                <a:ext cx="2160238" cy="2008829"/>
+              </a:xfrm>
+              <a:prstGeom prst="rect">
+                <a:avLst/>
+              </a:prstGeom>
+              <a:solidFill>
+                <a:schemeClr val="accent2">
+                  <a:lumMod val="20000"/>
+                  <a:lumOff val="80000"/>
+                </a:schemeClr>
+              </a:solidFill>
+              <a:ln w="9525">
+                <a:solidFill>
+                  <a:schemeClr val="accent2"/>
+                </a:solidFill>
+              </a:ln>
+            </p:spPr>
+            <p:style>
+              <a:lnRef idx="2">
+                <a:schemeClr val="accent1">
+                  <a:shade val="50000"/>
+                </a:schemeClr>
+              </a:lnRef>
+              <a:fillRef idx="1">
+                <a:schemeClr val="accent1"/>
+              </a:fillRef>
+              <a:effectRef idx="0">
+                <a:schemeClr val="accent1"/>
+              </a:effectRef>
+              <a:fontRef idx="minor">
+                <a:schemeClr val="lt1"/>
+              </a:fontRef>
+            </p:style>
+            <p:txBody>
+              <a:bodyPr rtlCol="0" anchor="t"/>
+              <a:lstStyle/>
+              <a:p>
+                <a:pPr algn="ctr"/>
+                <a:r>
+                  <a:rPr lang="fr-FR" sz="1000" b="1" dirty="0">
+                    <a:solidFill>
+                      <a:sysClr val="windowText" lastClr="000000"/>
+                    </a:solidFill>
+                  </a:rPr>
+                  <a:t>Modèle linéaire </a:t>
+                </a:r>
+              </a:p>
+              <a:p>
+                <a:pPr algn="ctr"/>
+                <a:r>
+                  <a:rPr lang="fr-FR" sz="1000" b="1" dirty="0">
+                    <a:solidFill>
+                      <a:sysClr val="windowText" lastClr="000000"/>
+                    </a:solidFill>
+                  </a:rPr>
+                  <a:t>Correcteur retard de phase</a:t>
+                </a:r>
+              </a:p>
+              <a:p>
+                <a:pPr algn="ctr"/>
+                <a14:m>
+                  <m:oMathPara xmlns:m="http://schemas.openxmlformats.org/officeDocument/2006/math">
+                    <m:oMathParaPr>
+                      <m:jc m:val="centerGroup"/>
+                    </m:oMathParaPr>
+                    <m:oMath xmlns:m="http://schemas.openxmlformats.org/officeDocument/2006/math">
+                      <m:r>
+                        <a:rPr lang="fr-FR" sz="1000" b="1" i="1" dirty="0" smtClean="0">
+                          <a:solidFill>
+                            <a:sysClr val="windowText" lastClr="000000"/>
+                          </a:solidFill>
+                          <a:latin typeface="Cambria Math" panose="02040503050406030204" pitchFamily="18" charset="0"/>
+                        </a:rPr>
+                        <m:t>𝑪</m:t>
+                      </m:r>
+                      <m:d>
+                        <m:dPr>
+                          <m:ctrlPr>
+                            <a:rPr lang="fr-FR" sz="1000" b="1" i="1" dirty="0" smtClean="0">
+                              <a:solidFill>
+                                <a:sysClr val="windowText" lastClr="000000"/>
+                              </a:solidFill>
+                              <a:latin typeface="Cambria Math" panose="02040503050406030204" pitchFamily="18" charset="0"/>
+                            </a:rPr>
+                          </m:ctrlPr>
+                        </m:dPr>
+                        <m:e>
+                          <m:r>
+                            <a:rPr lang="fr-FR" sz="1000" b="1" i="1" dirty="0" smtClean="0">
+                              <a:solidFill>
+                                <a:sysClr val="windowText" lastClr="000000"/>
+                              </a:solidFill>
+                              <a:latin typeface="Cambria Math" panose="02040503050406030204" pitchFamily="18" charset="0"/>
+                            </a:rPr>
+                            <m:t>𝒑</m:t>
+                          </m:r>
+                        </m:e>
+                      </m:d>
+                      <m:r>
+                        <a:rPr lang="fr-FR" sz="1000" b="1" i="1" dirty="0" smtClean="0">
+                          <a:solidFill>
+                            <a:sysClr val="windowText" lastClr="000000"/>
+                          </a:solidFill>
+                          <a:latin typeface="Cambria Math" panose="02040503050406030204" pitchFamily="18" charset="0"/>
+                        </a:rPr>
+                        <m:t>=</m:t>
+                      </m:r>
+                      <m:sSub>
+                        <m:sSubPr>
+                          <m:ctrlPr>
+                            <a:rPr lang="fr-FR" sz="1000" b="1" i="1" dirty="0" smtClean="0">
+                              <a:solidFill>
+                                <a:sysClr val="windowText" lastClr="000000"/>
+                              </a:solidFill>
+                              <a:latin typeface="Cambria Math" panose="02040503050406030204" pitchFamily="18" charset="0"/>
+                            </a:rPr>
+                          </m:ctrlPr>
+                        </m:sSubPr>
+                        <m:e>
+                          <m:r>
+                            <a:rPr lang="fr-FR" sz="1000" b="1" i="1" dirty="0" smtClean="0">
+                              <a:solidFill>
+                                <a:sysClr val="windowText" lastClr="000000"/>
+                              </a:solidFill>
+                              <a:latin typeface="Cambria Math" panose="02040503050406030204" pitchFamily="18" charset="0"/>
+                            </a:rPr>
+                            <m:t>𝑲</m:t>
+                          </m:r>
+                        </m:e>
+                        <m:sub>
+                          <m:r>
+                            <a:rPr lang="fr-FR" sz="1000" b="1" i="1" dirty="0" smtClean="0">
+                              <a:solidFill>
+                                <a:sysClr val="windowText" lastClr="000000"/>
+                              </a:solidFill>
+                              <a:latin typeface="Cambria Math" panose="02040503050406030204" pitchFamily="18" charset="0"/>
+                            </a:rPr>
+                            <m:t>𝑪𝑶𝑹</m:t>
+                          </m:r>
+                        </m:sub>
+                      </m:sSub>
+                      <m:f>
+                        <m:fPr>
+                          <m:ctrlPr>
+                            <a:rPr lang="fr-FR" sz="1000" b="1" i="1" dirty="0" smtClean="0">
+                              <a:solidFill>
+                                <a:sysClr val="windowText" lastClr="000000"/>
+                              </a:solidFill>
+                              <a:latin typeface="Cambria Math" panose="02040503050406030204" pitchFamily="18" charset="0"/>
+                            </a:rPr>
+                          </m:ctrlPr>
+                        </m:fPr>
+                        <m:num>
+                          <m:r>
+                            <a:rPr lang="fr-FR" sz="1000" b="1" i="1" dirty="0">
+                              <a:solidFill>
+                                <a:sysClr val="windowText" lastClr="000000"/>
+                              </a:solidFill>
+                              <a:latin typeface="Cambria Math" panose="02040503050406030204" pitchFamily="18" charset="0"/>
+                            </a:rPr>
+                            <m:t>𝟏</m:t>
+                          </m:r>
+                          <m:r>
+                            <a:rPr lang="fr-FR" sz="1000" b="1" i="1" dirty="0">
+                              <a:solidFill>
+                                <a:sysClr val="windowText" lastClr="000000"/>
+                              </a:solidFill>
+                              <a:latin typeface="Cambria Math" panose="02040503050406030204" pitchFamily="18" charset="0"/>
+                            </a:rPr>
+                            <m:t>+</m:t>
+                          </m:r>
+                          <m:r>
+                            <a:rPr lang="fr-FR" sz="1000" b="1" i="1" dirty="0">
+                              <a:solidFill>
+                                <a:sysClr val="windowText" lastClr="000000"/>
+                              </a:solidFill>
+                              <a:latin typeface="Cambria Math" panose="02040503050406030204" pitchFamily="18" charset="0"/>
+                            </a:rPr>
+                            <m:t>𝟎</m:t>
+                          </m:r>
+                          <m:r>
+                            <a:rPr lang="fr-FR" sz="1000" b="1" i="1" dirty="0">
+                              <a:solidFill>
+                                <a:sysClr val="windowText" lastClr="000000"/>
+                              </a:solidFill>
+                              <a:latin typeface="Cambria Math" panose="02040503050406030204" pitchFamily="18" charset="0"/>
+                            </a:rPr>
+                            <m:t>,</m:t>
+                          </m:r>
+                          <m:r>
+                            <a:rPr lang="fr-FR" sz="1000" b="1" i="1" dirty="0">
+                              <a:solidFill>
+                                <a:sysClr val="windowText" lastClr="000000"/>
+                              </a:solidFill>
+                              <a:latin typeface="Cambria Math" panose="02040503050406030204" pitchFamily="18" charset="0"/>
+                            </a:rPr>
+                            <m:t>𝟏𝟐𝟕</m:t>
+                          </m:r>
+                          <m:r>
+                            <a:rPr lang="fr-FR" sz="1000" b="1" i="1" dirty="0">
+                              <a:solidFill>
+                                <a:sysClr val="windowText" lastClr="000000"/>
+                              </a:solidFill>
+                              <a:latin typeface="Cambria Math" panose="02040503050406030204" pitchFamily="18" charset="0"/>
+                            </a:rPr>
+                            <m:t> </m:t>
+                          </m:r>
+                          <m:r>
+                            <a:rPr lang="fr-FR" sz="1000" b="1" i="1" dirty="0">
+                              <a:solidFill>
+                                <a:sysClr val="windowText" lastClr="000000"/>
+                              </a:solidFill>
+                              <a:latin typeface="Cambria Math" panose="02040503050406030204" pitchFamily="18" charset="0"/>
+                            </a:rPr>
+                            <m:t>𝒑</m:t>
+                          </m:r>
+                        </m:num>
+                        <m:den>
+                          <m:r>
+                            <a:rPr lang="fr-FR" sz="1000" b="1" i="1" dirty="0">
+                              <a:solidFill>
+                                <a:sysClr val="windowText" lastClr="000000"/>
+                              </a:solidFill>
+                              <a:latin typeface="Cambria Math" panose="02040503050406030204" pitchFamily="18" charset="0"/>
+                            </a:rPr>
+                            <m:t>𝟏</m:t>
+                          </m:r>
+                          <m:r>
+                            <a:rPr lang="fr-FR" sz="1000" b="1" i="1" dirty="0">
+                              <a:solidFill>
+                                <a:sysClr val="windowText" lastClr="000000"/>
+                              </a:solidFill>
+                              <a:latin typeface="Cambria Math" panose="02040503050406030204" pitchFamily="18" charset="0"/>
+                            </a:rPr>
+                            <m:t>+</m:t>
+                          </m:r>
+                          <m:r>
+                            <a:rPr lang="fr-FR" sz="1000" b="1" i="1" dirty="0" smtClean="0">
+                              <a:solidFill>
+                                <a:sysClr val="windowText" lastClr="000000"/>
+                              </a:solidFill>
+                              <a:latin typeface="Cambria Math" panose="02040503050406030204" pitchFamily="18" charset="0"/>
+                            </a:rPr>
+                            <m:t>𝟑</m:t>
+                          </m:r>
+                          <m:r>
+                            <a:rPr lang="fr-FR" sz="1000" b="1" i="1" dirty="0" smtClean="0">
+                              <a:solidFill>
+                                <a:sysClr val="windowText" lastClr="000000"/>
+                              </a:solidFill>
+                              <a:latin typeface="Cambria Math" panose="02040503050406030204" pitchFamily="18" charset="0"/>
+                            </a:rPr>
+                            <m:t>×</m:t>
+                          </m:r>
+                          <m:r>
+                            <a:rPr lang="fr-FR" sz="1000" b="1" i="1" dirty="0">
+                              <a:solidFill>
+                                <a:sysClr val="windowText" lastClr="000000"/>
+                              </a:solidFill>
+                              <a:latin typeface="Cambria Math" panose="02040503050406030204" pitchFamily="18" charset="0"/>
+                            </a:rPr>
+                            <m:t>𝟎</m:t>
+                          </m:r>
+                          <m:r>
+                            <a:rPr lang="fr-FR" sz="1000" b="1" i="1" dirty="0">
+                              <a:solidFill>
+                                <a:sysClr val="windowText" lastClr="000000"/>
+                              </a:solidFill>
+                              <a:latin typeface="Cambria Math" panose="02040503050406030204" pitchFamily="18" charset="0"/>
+                            </a:rPr>
+                            <m:t>,</m:t>
+                          </m:r>
+                          <m:r>
+                            <a:rPr lang="fr-FR" sz="1000" b="1" i="1" dirty="0">
+                              <a:solidFill>
+                                <a:sysClr val="windowText" lastClr="000000"/>
+                              </a:solidFill>
+                              <a:latin typeface="Cambria Math" panose="02040503050406030204" pitchFamily="18" charset="0"/>
+                            </a:rPr>
+                            <m:t>𝟏𝟐𝟕</m:t>
+                          </m:r>
+                          <m:r>
+                            <a:rPr lang="fr-FR" sz="1000" b="1" i="1" dirty="0">
+                              <a:solidFill>
+                                <a:sysClr val="windowText" lastClr="000000"/>
+                              </a:solidFill>
+                              <a:latin typeface="Cambria Math" panose="02040503050406030204" pitchFamily="18" charset="0"/>
+                            </a:rPr>
+                            <m:t> </m:t>
+                          </m:r>
+                          <m:r>
+                            <a:rPr lang="fr-FR" sz="1000" b="1" i="1" dirty="0">
+                              <a:solidFill>
+                                <a:sysClr val="windowText" lastClr="000000"/>
+                              </a:solidFill>
+                              <a:latin typeface="Cambria Math" panose="02040503050406030204" pitchFamily="18" charset="0"/>
+                            </a:rPr>
+                            <m:t>𝒑</m:t>
+                          </m:r>
+                        </m:den>
+                      </m:f>
+                    </m:oMath>
+                  </m:oMathPara>
+                </a14:m>
+                <a:endParaRPr lang="fr-FR" sz="1000" b="1" dirty="0">
+                  <a:solidFill>
+                    <a:sysClr val="windowText" lastClr="000000"/>
+                  </a:solidFill>
+                </a:endParaRPr>
+              </a:p>
+            </p:txBody>
+          </p:sp>
+        </mc:Choice>
+        <mc:Fallback>
+          <p:sp>
+            <p:nvSpPr>
+              <p:cNvPr id="17" name="Rectangle 16">
+                <a:extLst>
+                  <a:ext uri="{FF2B5EF4-FFF2-40B4-BE49-F238E27FC236}">
+                    <a16:creationId xmlns:a16="http://schemas.microsoft.com/office/drawing/2014/main" id="{4DD7F1ED-5C27-4AC2-905C-0490B80F936A}"/>
+                  </a:ext>
+                </a:extLst>
+              </p:cNvPr>
+              <p:cNvSpPr>
+                <a:spLocks noRot="1" noChangeAspect="1" noMove="1" noResize="1" noEditPoints="1" noAdjustHandles="1" noChangeArrowheads="1" noChangeShapeType="1" noTextEdit="1"/>
+              </p:cNvSpPr>
+              <p:nvPr/>
+            </p:nvSpPr>
+            <p:spPr>
+              <a:xfrm>
+                <a:off x="6012160" y="4151958"/>
+                <a:ext cx="2160238" cy="2008829"/>
+              </a:xfrm>
+              <a:prstGeom prst="rect">
+                <a:avLst/>
+              </a:prstGeom>
+              <a:blipFill>
+                <a:blip r:embed="rId2"/>
+                <a:stretch>
+                  <a:fillRect/>
+                </a:stretch>
+              </a:blipFill>
+              <a:ln w="9525">
+                <a:solidFill>
+                  <a:schemeClr val="accent2"/>
+                </a:solidFill>
+              </a:ln>
+            </p:spPr>
+            <p:txBody>
+              <a:bodyPr/>
+              <a:lstStyle/>
+              <a:p>
+                <a:r>
+                  <a:rPr lang="fr-FR">
+                    <a:noFill/>
+                  </a:rPr>
+                  <a:t> </a:t>
+                </a:r>
+              </a:p>
+            </p:txBody>
+          </p:sp>
+        </mc:Fallback>
+      </mc:AlternateContent>
+      <p:sp>
+        <p:nvSpPr>
+          <p:cNvPr id="18" name="Rectangle 17">
+            <a:extLst>
+              <a:ext uri="{FF2B5EF4-FFF2-40B4-BE49-F238E27FC236}">
+                <a16:creationId xmlns:a16="http://schemas.microsoft.com/office/drawing/2014/main" id="{4F3DB9DF-F9D3-4E5D-8B12-BE6FECD46A54}"/>
+              </a:ext>
+            </a:extLst>
+          </p:cNvPr>
+          <p:cNvSpPr/>
+          <p:nvPr/>
+        </p:nvSpPr>
+        <p:spPr>
+          <a:xfrm>
+            <a:off x="2058529" y="3768687"/>
+            <a:ext cx="6113869" cy="288032"/>
+          </a:xfrm>
+          <a:prstGeom prst="rect">
+            <a:avLst/>
+          </a:prstGeom>
+          <a:solidFill>
+            <a:schemeClr val="accent2">
+              <a:lumMod val="20000"/>
+              <a:lumOff val="80000"/>
+            </a:schemeClr>
+          </a:solidFill>
+          <a:ln w="9525">
+            <a:solidFill>
+              <a:schemeClr val="accent2"/>
+            </a:solidFill>
+          </a:ln>
+        </p:spPr>
+        <p:style>
+          <a:lnRef idx="2">
+            <a:schemeClr val="accent1">
+              <a:shade val="50000"/>
+            </a:schemeClr>
+          </a:lnRef>
+          <a:fillRef idx="1">
+            <a:schemeClr val="accent1"/>
+          </a:fillRef>
+          <a:effectRef idx="0">
+            <a:schemeClr val="accent1"/>
+          </a:effectRef>
+          <a:fontRef idx="minor">
+            <a:schemeClr val="lt1"/>
+          </a:fontRef>
+        </p:style>
+        <p:txBody>
+          <a:bodyPr rtlCol="0" anchor="ctr"/>
+          <a:lstStyle/>
+          <a:p>
+            <a:pPr algn="ctr"/>
+            <a:r>
+              <a:rPr lang="fr-FR" sz="1000" dirty="0">
+                <a:solidFill>
+                  <a:sysClr val="windowText" lastClr="000000"/>
+                </a:solidFill>
+              </a:rPr>
+              <a:t>Domaine de la modélisation</a:t>
+            </a:r>
+          </a:p>
+        </p:txBody>
+      </p:sp>
+      <p:pic>
+        <p:nvPicPr>
+          <p:cNvPr id="21" name="Image 20">
+            <a:extLst>
+              <a:ext uri="{FF2B5EF4-FFF2-40B4-BE49-F238E27FC236}">
+                <a16:creationId xmlns:a16="http://schemas.microsoft.com/office/drawing/2014/main" id="{E080CD33-CFE6-42C3-B985-D5471081D5CB}"/>
+              </a:ext>
+            </a:extLst>
+          </p:cNvPr>
+          <p:cNvPicPr>
+            <a:picLocks noChangeAspect="1"/>
+          </p:cNvPicPr>
+          <p:nvPr/>
+        </p:nvPicPr>
+        <p:blipFill>
+          <a:blip r:embed="rId3" cstate="print">
+            <a:extLst>
+              <a:ext uri="{28A0092B-C50C-407E-A947-70E740481C1C}">
+                <a14:useLocalDpi xmlns:a14="http://schemas.microsoft.com/office/drawing/2010/main" val="0"/>
+              </a:ext>
+            </a:extLst>
+          </a:blip>
+          <a:stretch>
+            <a:fillRect/>
+          </a:stretch>
+        </p:blipFill>
+        <p:spPr>
+          <a:xfrm>
+            <a:off x="501534" y="4221088"/>
+            <a:ext cx="1402834" cy="1903846"/>
+          </a:xfrm>
+          <a:prstGeom prst="rect">
+            <a:avLst/>
+          </a:prstGeom>
+        </p:spPr>
+      </p:pic>
+      <p:sp>
+        <p:nvSpPr>
+          <p:cNvPr id="22" name="Rectangle 21">
+            <a:extLst>
+              <a:ext uri="{FF2B5EF4-FFF2-40B4-BE49-F238E27FC236}">
+                <a16:creationId xmlns:a16="http://schemas.microsoft.com/office/drawing/2014/main" id="{704D3D81-CD48-43BF-88BA-E2E268F1523E}"/>
+              </a:ext>
+            </a:extLst>
+          </p:cNvPr>
+          <p:cNvSpPr/>
+          <p:nvPr/>
+        </p:nvSpPr>
+        <p:spPr>
+          <a:xfrm>
+            <a:off x="2208424" y="5125184"/>
+            <a:ext cx="1156991" cy="999750"/>
+          </a:xfrm>
+          <a:prstGeom prst="rect">
+            <a:avLst/>
+          </a:prstGeom>
+          <a:solidFill>
+            <a:schemeClr val="accent2">
+              <a:lumMod val="20000"/>
+              <a:lumOff val="80000"/>
+            </a:schemeClr>
+          </a:solidFill>
+          <a:ln w="9525">
+            <a:solidFill>
+              <a:schemeClr val="accent2"/>
+            </a:solidFill>
+          </a:ln>
+        </p:spPr>
+        <p:style>
+          <a:lnRef idx="2">
+            <a:schemeClr val="accent1">
+              <a:shade val="50000"/>
+            </a:schemeClr>
+          </a:lnRef>
+          <a:fillRef idx="1">
+            <a:schemeClr val="accent1"/>
+          </a:fillRef>
+          <a:effectRef idx="0">
+            <a:schemeClr val="accent1"/>
+          </a:effectRef>
+          <a:fontRef idx="minor">
+            <a:schemeClr val="lt1"/>
+          </a:fontRef>
+        </p:style>
+        <p:txBody>
+          <a:bodyPr rtlCol="0" anchor="t"/>
+          <a:lstStyle/>
+          <a:p>
+            <a:pPr algn="ctr"/>
+            <a:r>
+              <a:rPr lang="fr-FR" sz="1000" b="1" dirty="0">
+                <a:solidFill>
+                  <a:sysClr val="windowText" lastClr="000000"/>
+                </a:solidFill>
+              </a:rPr>
+              <a:t>Pour être dans des conditions où le modèle et linéaire, la consigne doit être inférieure à 5°.</a:t>
+            </a:r>
+          </a:p>
+        </p:txBody>
+      </p:sp>
+      <mc:AlternateContent xmlns:mc="http://schemas.openxmlformats.org/markup-compatibility/2006">
+        <mc:Choice xmlns:a14="http://schemas.microsoft.com/office/drawing/2010/main" Requires="a14">
+          <p:sp>
+            <p:nvSpPr>
+              <p:cNvPr id="23" name="Rectangle 22">
+                <a:extLst>
+                  <a:ext uri="{FF2B5EF4-FFF2-40B4-BE49-F238E27FC236}">
+                    <a16:creationId xmlns:a16="http://schemas.microsoft.com/office/drawing/2014/main" id="{2322A829-A5CF-4A70-967C-11B6BA48411F}"/>
+                  </a:ext>
+                </a:extLst>
+              </p:cNvPr>
+              <p:cNvSpPr/>
+              <p:nvPr/>
+            </p:nvSpPr>
+            <p:spPr>
+              <a:xfrm>
+                <a:off x="3851920" y="4868869"/>
+                <a:ext cx="1872208" cy="1152418"/>
+              </a:xfrm>
+              <a:prstGeom prst="rect">
+                <a:avLst/>
+              </a:prstGeom>
+              <a:solidFill>
+                <a:schemeClr val="accent2">
+                  <a:lumMod val="20000"/>
+                  <a:lumOff val="80000"/>
+                </a:schemeClr>
+              </a:solidFill>
+              <a:ln w="9525">
+                <a:solidFill>
+                  <a:schemeClr val="accent2"/>
+                </a:solidFill>
+              </a:ln>
+            </p:spPr>
+            <p:style>
+              <a:lnRef idx="2">
+                <a:schemeClr val="accent1">
+                  <a:shade val="50000"/>
+                </a:schemeClr>
+              </a:lnRef>
+              <a:fillRef idx="1">
+                <a:schemeClr val="accent1"/>
+              </a:fillRef>
+              <a:effectRef idx="0">
+                <a:schemeClr val="accent1"/>
+              </a:effectRef>
+              <a:fontRef idx="minor">
+                <a:schemeClr val="lt1"/>
+              </a:fontRef>
+            </p:style>
+            <p:txBody>
+              <a:bodyPr rtlCol="0" anchor="t"/>
+              <a:lstStyle/>
+              <a:p>
+                <a:pPr algn="ctr"/>
+                <a14:m>
+                  <m:oMathPara xmlns:m="http://schemas.openxmlformats.org/officeDocument/2006/math">
+                    <m:oMathParaPr>
+                      <m:jc m:val="centerGroup"/>
+                    </m:oMathParaPr>
+                    <m:oMath xmlns:m="http://schemas.openxmlformats.org/officeDocument/2006/math">
+                      <m:sSub>
+                        <m:sSubPr>
+                          <m:ctrlPr>
+                            <a:rPr lang="fr-FR" sz="1000" b="1" i="1" smtClean="0">
+                              <a:solidFill>
+                                <a:sysClr val="windowText" lastClr="000000"/>
+                              </a:solidFill>
+                              <a:latin typeface="Cambria Math" panose="02040503050406030204" pitchFamily="18" charset="0"/>
+                            </a:rPr>
+                          </m:ctrlPr>
+                        </m:sSubPr>
+                        <m:e>
+                          <m:r>
+                            <a:rPr lang="fr-FR" sz="1000" b="1" i="1" smtClean="0">
+                              <a:solidFill>
+                                <a:sysClr val="windowText" lastClr="000000"/>
+                              </a:solidFill>
+                              <a:latin typeface="Cambria Math" panose="02040503050406030204" pitchFamily="18" charset="0"/>
+                            </a:rPr>
+                            <m:t>𝝎</m:t>
+                          </m:r>
+                        </m:e>
+                        <m:sub>
+                          <m:r>
+                            <a:rPr lang="fr-FR" sz="1000" b="1" i="1" smtClean="0">
+                              <a:solidFill>
+                                <a:sysClr val="windowText" lastClr="000000"/>
+                              </a:solidFill>
+                              <a:latin typeface="Cambria Math" panose="02040503050406030204" pitchFamily="18" charset="0"/>
+                            </a:rPr>
+                            <m:t>𝒒𝒖𝒊𝒍𝒍𝒆</m:t>
+                          </m:r>
+                        </m:sub>
+                      </m:sSub>
+                      <m:r>
+                        <a:rPr lang="fr-FR" sz="1000" b="1" i="1" smtClean="0">
+                          <a:solidFill>
+                            <a:sysClr val="windowText" lastClr="000000"/>
+                          </a:solidFill>
+                          <a:latin typeface="Cambria Math" panose="02040503050406030204" pitchFamily="18" charset="0"/>
+                        </a:rPr>
+                        <m:t>=       </m:t>
+                      </m:r>
+                      <m:r>
+                        <a:rPr lang="fr-FR" sz="1000" b="1" i="1" smtClean="0">
+                          <a:solidFill>
+                            <a:sysClr val="windowText" lastClr="000000"/>
+                          </a:solidFill>
+                          <a:latin typeface="Cambria Math" panose="02040503050406030204" pitchFamily="18" charset="0"/>
+                        </a:rPr>
+                        <m:t>𝟐𝟎</m:t>
+                      </m:r>
+                      <m:r>
+                        <a:rPr lang="fr-FR" sz="1000" b="1" i="1" smtClean="0">
+                          <a:solidFill>
+                            <a:sysClr val="windowText" lastClr="000000"/>
+                          </a:solidFill>
+                          <a:latin typeface="Cambria Math" panose="02040503050406030204" pitchFamily="18" charset="0"/>
+                        </a:rPr>
+                        <m:t>°</m:t>
+                      </m:r>
+                      <m:r>
+                        <m:rPr>
+                          <m:lit/>
+                        </m:rPr>
+                        <a:rPr lang="fr-FR" sz="1000" b="1" i="1" smtClean="0">
+                          <a:solidFill>
+                            <a:sysClr val="windowText" lastClr="000000"/>
+                          </a:solidFill>
+                          <a:latin typeface="Cambria Math" panose="02040503050406030204" pitchFamily="18" charset="0"/>
+                        </a:rPr>
+                        <m:t>/</m:t>
+                      </m:r>
+                      <m:r>
+                        <a:rPr lang="fr-FR" sz="1000" b="1" i="1" smtClean="0">
+                          <a:solidFill>
+                            <a:sysClr val="windowText" lastClr="000000"/>
+                          </a:solidFill>
+                          <a:latin typeface="Cambria Math" panose="02040503050406030204" pitchFamily="18" charset="0"/>
+                        </a:rPr>
+                        <m:t> </m:t>
+                      </m:r>
+                      <m:r>
+                        <a:rPr lang="fr-FR" sz="1000" b="1" i="1" smtClean="0">
+                          <a:solidFill>
+                            <a:sysClr val="windowText" lastClr="000000"/>
+                          </a:solidFill>
+                          <a:latin typeface="Cambria Math" panose="02040503050406030204" pitchFamily="18" charset="0"/>
+                        </a:rPr>
+                        <m:t>𝒔</m:t>
+                      </m:r>
+                      <m:r>
+                        <a:rPr lang="fr-FR" sz="1000" b="1" i="1" smtClean="0">
+                          <a:solidFill>
+                            <a:sysClr val="windowText" lastClr="000000"/>
+                          </a:solidFill>
+                          <a:latin typeface="Cambria Math" panose="02040503050406030204" pitchFamily="18" charset="0"/>
+                        </a:rPr>
+                        <m:t>                    </m:t>
+                      </m:r>
+                    </m:oMath>
+                  </m:oMathPara>
+                </a14:m>
+                <a:endParaRPr lang="fr-FR" sz="1000" b="1" dirty="0">
+                  <a:solidFill>
+                    <a:sysClr val="windowText" lastClr="000000"/>
+                  </a:solidFill>
+                </a:endParaRPr>
+              </a:p>
+              <a:p>
+                <a:pPr algn="ctr"/>
+                <a:r>
+                  <a:rPr lang="fr-FR" sz="1000" b="1" dirty="0">
+                    <a:solidFill>
+                      <a:sysClr val="windowText" lastClr="000000"/>
+                    </a:solidFill>
+                  </a:rPr>
+                  <a:t>Ecart = +12 °/s </a:t>
+                </a:r>
+                <a:r>
+                  <a:rPr lang="fr-FR" sz="1000" b="1" dirty="0">
+                    <a:solidFill>
+                      <a:sysClr val="windowText" lastClr="000000"/>
+                    </a:solidFill>
+                    <a:latin typeface="Calibri" panose="020F0502020204030204" pitchFamily="34" charset="0"/>
+                    <a:cs typeface="Calibri" panose="020F0502020204030204" pitchFamily="34" charset="0"/>
+                  </a:rPr>
+                  <a:t> </a:t>
+                </a:r>
+                <a:r>
+                  <a:rPr lang="fr-FR" sz="1000" b="1" dirty="0">
+                    <a:solidFill>
+                      <a:sysClr val="windowText" lastClr="000000"/>
+                    </a:solidFill>
+                    <a:latin typeface="Arial" panose="020B0604020202020204" pitchFamily="34" charset="0"/>
+                    <a:cs typeface="Arial" panose="020B0604020202020204" pitchFamily="34" charset="0"/>
+                  </a:rPr>
+                  <a:t> </a:t>
+                </a:r>
+                <a:r>
+                  <a:rPr lang="fr-FR" sz="1000" b="1" dirty="0">
+                    <a:solidFill>
+                      <a:sysClr val="windowText" lastClr="000000"/>
+                    </a:solidFill>
+                    <a:latin typeface="Arial" panose="020B0604020202020204" pitchFamily="34" charset="0"/>
+                    <a:cs typeface="Arial" panose="020B0604020202020204" pitchFamily="34" charset="0"/>
+                    <a:sym typeface="Wingdings" panose="05000000000000000000" pitchFamily="2" charset="2"/>
+                  </a:rPr>
+                  <a:t></a:t>
+                </a:r>
+                <a:endParaRPr lang="fr-FR" sz="1000" b="1" dirty="0">
+                  <a:solidFill>
+                    <a:sysClr val="windowText" lastClr="000000"/>
+                  </a:solidFill>
+                </a:endParaRPr>
+              </a:p>
+              <a:p>
+                <a:pPr algn="ctr"/>
+                <a:endParaRPr lang="fr-FR" sz="1000" b="1" dirty="0">
+                  <a:solidFill>
+                    <a:sysClr val="windowText" lastClr="000000"/>
+                  </a:solidFill>
+                </a:endParaRPr>
+              </a:p>
+              <a:p>
+                <a:pPr algn="ctr"/>
+                <a:endParaRPr lang="fr-FR" sz="1000" b="1" dirty="0">
+                  <a:solidFill>
+                    <a:sysClr val="windowText" lastClr="000000"/>
+                  </a:solidFill>
+                </a:endParaRPr>
+              </a:p>
+              <a:p>
+                <a:pPr algn="ctr"/>
+                <a14:m>
+                  <m:oMathPara xmlns:m="http://schemas.openxmlformats.org/officeDocument/2006/math">
+                    <m:oMathParaPr>
+                      <m:jc m:val="centerGroup"/>
+                    </m:oMathParaPr>
+                    <m:oMath xmlns:m="http://schemas.openxmlformats.org/officeDocument/2006/math">
+                      <m:sSub>
+                        <m:sSubPr>
+                          <m:ctrlPr>
+                            <a:rPr lang="fr-FR" sz="1000" b="1" i="1">
+                              <a:solidFill>
+                                <a:sysClr val="windowText" lastClr="000000"/>
+                              </a:solidFill>
+                              <a:latin typeface="Cambria Math" panose="02040503050406030204" pitchFamily="18" charset="0"/>
+                            </a:rPr>
+                          </m:ctrlPr>
+                        </m:sSubPr>
+                        <m:e>
+                          <m:r>
+                            <a:rPr lang="fr-FR" sz="1000" b="1" i="1" smtClean="0">
+                              <a:solidFill>
+                                <a:sysClr val="windowText" lastClr="000000"/>
+                              </a:solidFill>
+                              <a:latin typeface="Cambria Math" panose="02040503050406030204" pitchFamily="18" charset="0"/>
+                            </a:rPr>
+                            <m:t>𝑻</m:t>
+                          </m:r>
+                        </m:e>
+                        <m:sub>
+                          <m:r>
+                            <a:rPr lang="fr-FR" sz="1000" b="1" i="1" smtClean="0">
+                              <a:solidFill>
+                                <a:sysClr val="windowText" lastClr="000000"/>
+                              </a:solidFill>
+                              <a:latin typeface="Cambria Math" panose="02040503050406030204" pitchFamily="18" charset="0"/>
+                            </a:rPr>
+                            <m:t>𝟓</m:t>
+                          </m:r>
+                          <m:r>
+                            <a:rPr lang="fr-FR" sz="1000" b="1" i="1" smtClean="0">
+                              <a:solidFill>
+                                <a:sysClr val="windowText" lastClr="000000"/>
+                              </a:solidFill>
+                              <a:latin typeface="Cambria Math" panose="02040503050406030204" pitchFamily="18" charset="0"/>
+                            </a:rPr>
+                            <m:t>%</m:t>
+                          </m:r>
+                        </m:sub>
+                      </m:sSub>
+                      <m:r>
+                        <a:rPr lang="fr-FR" sz="1000" b="1" i="1">
+                          <a:solidFill>
+                            <a:sysClr val="windowText" lastClr="000000"/>
+                          </a:solidFill>
+                          <a:latin typeface="Cambria Math" panose="02040503050406030204" pitchFamily="18" charset="0"/>
+                        </a:rPr>
+                        <m:t>=      </m:t>
+                      </m:r>
+                      <m:r>
+                        <a:rPr lang="fr-FR" sz="1000" b="1" i="1" smtClean="0">
+                          <a:solidFill>
+                            <a:sysClr val="windowText" lastClr="000000"/>
+                          </a:solidFill>
+                          <a:latin typeface="Cambria Math" panose="02040503050406030204" pitchFamily="18" charset="0"/>
+                        </a:rPr>
+                        <m:t>𝟐</m:t>
+                      </m:r>
+                      <m:r>
+                        <a:rPr lang="fr-FR" sz="1000" b="1" i="1" smtClean="0">
+                          <a:solidFill>
+                            <a:sysClr val="windowText" lastClr="000000"/>
+                          </a:solidFill>
+                          <a:latin typeface="Cambria Math" panose="02040503050406030204" pitchFamily="18" charset="0"/>
+                        </a:rPr>
+                        <m:t>,</m:t>
+                      </m:r>
+                      <m:r>
+                        <a:rPr lang="fr-FR" sz="1000" b="1" i="1" smtClean="0">
+                          <a:solidFill>
+                            <a:sysClr val="windowText" lastClr="000000"/>
+                          </a:solidFill>
+                          <a:latin typeface="Cambria Math" panose="02040503050406030204" pitchFamily="18" charset="0"/>
+                        </a:rPr>
+                        <m:t>𝟓</m:t>
+                      </m:r>
+                      <m:r>
+                        <a:rPr lang="fr-FR" sz="1000" b="1" i="1" smtClean="0">
+                          <a:solidFill>
+                            <a:sysClr val="windowText" lastClr="000000"/>
+                          </a:solidFill>
+                          <a:latin typeface="Cambria Math" panose="02040503050406030204" pitchFamily="18" charset="0"/>
+                        </a:rPr>
+                        <m:t> </m:t>
+                      </m:r>
+                      <m:r>
+                        <a:rPr lang="fr-FR" sz="1000" b="1" i="1" smtClean="0">
+                          <a:solidFill>
+                            <a:sysClr val="windowText" lastClr="000000"/>
+                          </a:solidFill>
+                          <a:latin typeface="Cambria Math" panose="02040503050406030204" pitchFamily="18" charset="0"/>
+                        </a:rPr>
+                        <m:t>𝒔</m:t>
+                      </m:r>
+                      <m:r>
+                        <a:rPr lang="fr-FR" sz="1000" b="1" i="1">
+                          <a:solidFill>
+                            <a:sysClr val="windowText" lastClr="000000"/>
+                          </a:solidFill>
+                          <a:latin typeface="Cambria Math" panose="02040503050406030204" pitchFamily="18" charset="0"/>
+                        </a:rPr>
+                        <m:t>                        </m:t>
+                      </m:r>
+                    </m:oMath>
+                  </m:oMathPara>
+                </a14:m>
+                <a:endParaRPr lang="fr-FR" sz="1000" b="1" dirty="0">
+                  <a:solidFill>
+                    <a:sysClr val="windowText" lastClr="000000"/>
+                  </a:solidFill>
+                </a:endParaRPr>
+              </a:p>
+              <a:p>
+                <a:pPr algn="ctr"/>
+                <a:r>
+                  <a:rPr lang="fr-FR" sz="1000" b="1" dirty="0">
+                    <a:solidFill>
+                      <a:sysClr val="windowText" lastClr="000000"/>
+                    </a:solidFill>
+                  </a:rPr>
+                  <a:t>Ecart =  - 1,5 s.    </a:t>
+                </a:r>
+                <a:r>
+                  <a:rPr lang="fr-FR" sz="1000" b="1" dirty="0">
+                    <a:solidFill>
+                      <a:sysClr val="windowText" lastClr="000000"/>
+                    </a:solidFill>
+                    <a:latin typeface="Arial" panose="020B0604020202020204" pitchFamily="34" charset="0"/>
+                    <a:cs typeface="Arial" panose="020B0604020202020204" pitchFamily="34" charset="0"/>
+                    <a:sym typeface="Wingdings" panose="05000000000000000000" pitchFamily="2" charset="2"/>
+                  </a:rPr>
+                  <a:t></a:t>
+                </a:r>
+                <a:endParaRPr lang="fr-FR" sz="1000" b="1" dirty="0">
+                  <a:solidFill>
+                    <a:sysClr val="windowText" lastClr="000000"/>
+                  </a:solidFill>
+                </a:endParaRPr>
+              </a:p>
+              <a:p>
+                <a:pPr algn="ctr"/>
+                <a:endParaRPr lang="fr-FR" sz="1000" b="1" dirty="0">
+                  <a:solidFill>
+                    <a:sysClr val="windowText" lastClr="000000"/>
+                  </a:solidFill>
+                </a:endParaRPr>
+              </a:p>
+              <a:p>
+                <a:pPr algn="ctr"/>
+                <a:endParaRPr lang="fr-FR" sz="1000" b="1" dirty="0">
+                  <a:solidFill>
+                    <a:sysClr val="windowText" lastClr="000000"/>
+                  </a:solidFill>
+                </a:endParaRPr>
+              </a:p>
+              <a:p>
+                <a:pPr algn="ctr"/>
+                <a:endParaRPr lang="fr-FR" sz="1000" b="1" dirty="0">
+                  <a:solidFill>
+                    <a:sysClr val="windowText" lastClr="000000"/>
+                  </a:solidFill>
+                </a:endParaRPr>
+              </a:p>
+            </p:txBody>
+          </p:sp>
+        </mc:Choice>
+        <mc:Fallback>
+          <p:sp>
+            <p:nvSpPr>
+              <p:cNvPr id="23" name="Rectangle 22">
+                <a:extLst>
+                  <a:ext uri="{FF2B5EF4-FFF2-40B4-BE49-F238E27FC236}">
+                    <a16:creationId xmlns:a16="http://schemas.microsoft.com/office/drawing/2014/main" id="{2322A829-A5CF-4A70-967C-11B6BA48411F}"/>
+                  </a:ext>
+                </a:extLst>
+              </p:cNvPr>
+              <p:cNvSpPr>
+                <a:spLocks noRot="1" noChangeAspect="1" noMove="1" noResize="1" noEditPoints="1" noAdjustHandles="1" noChangeArrowheads="1" noChangeShapeType="1" noTextEdit="1"/>
+              </p:cNvSpPr>
+              <p:nvPr/>
+            </p:nvSpPr>
+            <p:spPr>
+              <a:xfrm>
+                <a:off x="3851920" y="4868869"/>
+                <a:ext cx="1872208" cy="1152418"/>
+              </a:xfrm>
+              <a:prstGeom prst="rect">
+                <a:avLst/>
+              </a:prstGeom>
+              <a:blipFill>
+                <a:blip r:embed="rId4"/>
+                <a:stretch>
+                  <a:fillRect/>
+                </a:stretch>
+              </a:blipFill>
+              <a:ln w="9525">
+                <a:solidFill>
+                  <a:schemeClr val="accent2"/>
+                </a:solidFill>
+              </a:ln>
+            </p:spPr>
+            <p:txBody>
+              <a:bodyPr/>
+              <a:lstStyle/>
+              <a:p>
+                <a:r>
+                  <a:rPr lang="fr-FR">
+                    <a:noFill/>
+                  </a:rPr>
+                  <a:t> </a:t>
+                </a:r>
+              </a:p>
+            </p:txBody>
+          </p:sp>
+        </mc:Fallback>
+      </mc:AlternateContent>
+      <mc:AlternateContent xmlns:mc="http://schemas.openxmlformats.org/markup-compatibility/2006">
+        <mc:Choice xmlns:a14="http://schemas.microsoft.com/office/drawing/2010/main" Requires="a14">
+          <p:sp>
+            <p:nvSpPr>
+              <p:cNvPr id="24" name="Rectangle 23">
+                <a:extLst>
+                  <a:ext uri="{FF2B5EF4-FFF2-40B4-BE49-F238E27FC236}">
+                    <a16:creationId xmlns:a16="http://schemas.microsoft.com/office/drawing/2014/main" id="{2AC5ABBD-298F-48B4-A06D-4618936059CF}"/>
+                  </a:ext>
+                </a:extLst>
+              </p:cNvPr>
+              <p:cNvSpPr/>
+              <p:nvPr/>
+            </p:nvSpPr>
+            <p:spPr>
+              <a:xfrm>
+                <a:off x="6120977" y="4868869"/>
+                <a:ext cx="1872208" cy="1152418"/>
+              </a:xfrm>
+              <a:prstGeom prst="rect">
+                <a:avLst/>
+              </a:prstGeom>
+              <a:solidFill>
+                <a:schemeClr val="accent2">
+                  <a:lumMod val="20000"/>
+                  <a:lumOff val="80000"/>
+                </a:schemeClr>
+              </a:solidFill>
+              <a:ln w="9525">
+                <a:solidFill>
+                  <a:schemeClr val="accent2"/>
+                </a:solidFill>
+              </a:ln>
+            </p:spPr>
+            <p:style>
+              <a:lnRef idx="2">
+                <a:schemeClr val="accent1">
+                  <a:shade val="50000"/>
+                </a:schemeClr>
+              </a:lnRef>
+              <a:fillRef idx="1">
+                <a:schemeClr val="accent1"/>
+              </a:fillRef>
+              <a:effectRef idx="0">
+                <a:schemeClr val="accent1"/>
+              </a:effectRef>
+              <a:fontRef idx="minor">
+                <a:schemeClr val="lt1"/>
+              </a:fontRef>
+            </p:style>
+            <p:txBody>
+              <a:bodyPr rtlCol="0" anchor="t"/>
+              <a:lstStyle/>
+              <a:p>
+                <a:pPr algn="ctr"/>
+                <a14:m>
+                  <m:oMath xmlns:m="http://schemas.openxmlformats.org/officeDocument/2006/math">
+                    <m:sSub>
+                      <m:sSubPr>
+                        <m:ctrlPr>
+                          <a:rPr lang="fr-FR" sz="1000" b="1" i="1" smtClean="0">
+                            <a:solidFill>
+                              <a:sysClr val="windowText" lastClr="000000"/>
+                            </a:solidFill>
+                            <a:latin typeface="Cambria Math" panose="02040503050406030204" pitchFamily="18" charset="0"/>
+                          </a:rPr>
+                        </m:ctrlPr>
+                      </m:sSubPr>
+                      <m:e>
+                        <m:r>
+                          <a:rPr lang="fr-FR" sz="1000" b="1" i="1" smtClean="0">
+                            <a:solidFill>
+                              <a:sysClr val="windowText" lastClr="000000"/>
+                            </a:solidFill>
+                            <a:latin typeface="Cambria Math" panose="02040503050406030204" pitchFamily="18" charset="0"/>
+                          </a:rPr>
+                          <m:t>𝝎</m:t>
+                        </m:r>
+                      </m:e>
+                      <m:sub>
+                        <m:r>
+                          <a:rPr lang="fr-FR" sz="1000" b="1" i="1" smtClean="0">
+                            <a:solidFill>
+                              <a:sysClr val="windowText" lastClr="000000"/>
+                            </a:solidFill>
+                            <a:latin typeface="Cambria Math" panose="02040503050406030204" pitchFamily="18" charset="0"/>
+                          </a:rPr>
+                          <m:t>𝒒𝒖𝒊𝒍𝒍𝒆</m:t>
+                        </m:r>
+                      </m:sub>
+                    </m:sSub>
+                    <m:r>
+                      <a:rPr lang="fr-FR" sz="1000" b="1" i="1" smtClean="0">
+                        <a:solidFill>
+                          <a:sysClr val="windowText" lastClr="000000"/>
+                        </a:solidFill>
+                        <a:latin typeface="Cambria Math" panose="02040503050406030204" pitchFamily="18" charset="0"/>
+                      </a:rPr>
+                      <m:t>=</m:t>
+                    </m:r>
+                  </m:oMath>
+                </a14:m>
+                <a:r>
+                  <a:rPr lang="fr-FR" sz="1000" b="1" dirty="0">
+                    <a:solidFill>
+                      <a:sysClr val="windowText" lastClr="000000"/>
+                    </a:solidFill>
+                  </a:rPr>
+                  <a:t> </a:t>
+                </a:r>
+                <a14:m>
+                  <m:oMath xmlns:m="http://schemas.openxmlformats.org/officeDocument/2006/math">
+                    <m:r>
+                      <a:rPr lang="fr-FR" sz="1000" b="1" i="1" smtClean="0">
+                        <a:solidFill>
+                          <a:sysClr val="windowText" lastClr="000000"/>
+                        </a:solidFill>
+                        <a:latin typeface="Cambria Math" panose="02040503050406030204" pitchFamily="18" charset="0"/>
+                      </a:rPr>
+                      <m:t>𝟒</m:t>
+                    </m:r>
+                    <m:r>
+                      <a:rPr lang="fr-FR" sz="1000" b="1" i="1">
+                        <a:solidFill>
+                          <a:sysClr val="windowText" lastClr="000000"/>
+                        </a:solidFill>
+                        <a:latin typeface="Cambria Math" panose="02040503050406030204" pitchFamily="18" charset="0"/>
+                      </a:rPr>
+                      <m:t>°</m:t>
+                    </m:r>
+                    <m:r>
+                      <m:rPr>
+                        <m:lit/>
+                      </m:rPr>
+                      <a:rPr lang="fr-FR" sz="1000" b="1" i="1">
+                        <a:solidFill>
+                          <a:sysClr val="windowText" lastClr="000000"/>
+                        </a:solidFill>
+                        <a:latin typeface="Cambria Math" panose="02040503050406030204" pitchFamily="18" charset="0"/>
+                      </a:rPr>
+                      <m:t>/</m:t>
+                    </m:r>
+                    <m:r>
+                      <a:rPr lang="fr-FR" sz="1000" b="1" i="1">
+                        <a:solidFill>
+                          <a:sysClr val="windowText" lastClr="000000"/>
+                        </a:solidFill>
+                        <a:latin typeface="Cambria Math" panose="02040503050406030204" pitchFamily="18" charset="0"/>
+                      </a:rPr>
+                      <m:t> </m:t>
+                    </m:r>
+                    <m:r>
+                      <a:rPr lang="fr-FR" sz="1000" b="1" i="1">
+                        <a:solidFill>
+                          <a:sysClr val="windowText" lastClr="000000"/>
+                        </a:solidFill>
+                        <a:latin typeface="Cambria Math" panose="02040503050406030204" pitchFamily="18" charset="0"/>
+                      </a:rPr>
+                      <m:t>𝒔</m:t>
+                    </m:r>
+                    <m:r>
+                      <a:rPr lang="fr-FR" sz="1000" b="1" i="1">
+                        <a:solidFill>
+                          <a:sysClr val="windowText" lastClr="000000"/>
+                        </a:solidFill>
+                        <a:latin typeface="Cambria Math" panose="02040503050406030204" pitchFamily="18" charset="0"/>
+                      </a:rPr>
+                      <m:t> </m:t>
+                    </m:r>
+                  </m:oMath>
+                </a14:m>
+                <a:endParaRPr lang="fr-FR" sz="1000" b="1" dirty="0">
+                  <a:solidFill>
+                    <a:sysClr val="windowText" lastClr="000000"/>
+                  </a:solidFill>
+                </a:endParaRPr>
+              </a:p>
+              <a:p>
+                <a:pPr algn="ctr"/>
+                <a:r>
+                  <a:rPr lang="fr-FR" sz="1000" b="1" dirty="0">
+                    <a:solidFill>
+                      <a:sysClr val="windowText" lastClr="000000"/>
+                    </a:solidFill>
+                  </a:rPr>
+                  <a:t>Ecart = 4°/s 	OK</a:t>
+                </a:r>
+              </a:p>
+              <a:p>
+                <a:pPr algn="ctr"/>
+                <a:endParaRPr lang="fr-FR" sz="1000" b="1" dirty="0">
+                  <a:solidFill>
+                    <a:sysClr val="windowText" lastClr="000000"/>
+                  </a:solidFill>
+                </a:endParaRPr>
+              </a:p>
+              <a:p>
+                <a:pPr algn="ctr"/>
+                <a:endParaRPr lang="fr-FR" sz="1000" b="1" dirty="0">
+                  <a:solidFill>
+                    <a:sysClr val="windowText" lastClr="000000"/>
+                  </a:solidFill>
+                </a:endParaRPr>
+              </a:p>
+              <a:p>
+                <a:pPr algn="ctr"/>
+                <a14:m>
+                  <m:oMathPara xmlns:m="http://schemas.openxmlformats.org/officeDocument/2006/math">
+                    <m:oMathParaPr>
+                      <m:jc m:val="centerGroup"/>
+                    </m:oMathParaPr>
+                    <m:oMath xmlns:m="http://schemas.openxmlformats.org/officeDocument/2006/math">
+                      <m:sSub>
+                        <m:sSubPr>
+                          <m:ctrlPr>
+                            <a:rPr lang="fr-FR" sz="1000" b="1" i="1">
+                              <a:solidFill>
+                                <a:sysClr val="windowText" lastClr="000000"/>
+                              </a:solidFill>
+                              <a:latin typeface="Cambria Math" panose="02040503050406030204" pitchFamily="18" charset="0"/>
+                            </a:rPr>
+                          </m:ctrlPr>
+                        </m:sSubPr>
+                        <m:e>
+                          <m:r>
+                            <a:rPr lang="fr-FR" sz="1000" b="1" i="1" smtClean="0">
+                              <a:solidFill>
+                                <a:sysClr val="windowText" lastClr="000000"/>
+                              </a:solidFill>
+                              <a:latin typeface="Cambria Math" panose="02040503050406030204" pitchFamily="18" charset="0"/>
+                            </a:rPr>
+                            <m:t>𝑻</m:t>
+                          </m:r>
+                        </m:e>
+                        <m:sub>
+                          <m:r>
+                            <a:rPr lang="fr-FR" sz="1000" b="1" i="1" smtClean="0">
+                              <a:solidFill>
+                                <a:sysClr val="windowText" lastClr="000000"/>
+                              </a:solidFill>
+                              <a:latin typeface="Cambria Math" panose="02040503050406030204" pitchFamily="18" charset="0"/>
+                            </a:rPr>
+                            <m:t>𝟓</m:t>
+                          </m:r>
+                          <m:r>
+                            <a:rPr lang="fr-FR" sz="1000" b="1" i="1" smtClean="0">
+                              <a:solidFill>
+                                <a:sysClr val="windowText" lastClr="000000"/>
+                              </a:solidFill>
+                              <a:latin typeface="Cambria Math" panose="02040503050406030204" pitchFamily="18" charset="0"/>
+                            </a:rPr>
+                            <m:t>%</m:t>
+                          </m:r>
+                        </m:sub>
+                      </m:sSub>
+                      <m:r>
+                        <a:rPr lang="fr-FR" sz="1000" b="1" i="1">
+                          <a:solidFill>
+                            <a:sysClr val="windowText" lastClr="000000"/>
+                          </a:solidFill>
+                          <a:latin typeface="Cambria Math" panose="02040503050406030204" pitchFamily="18" charset="0"/>
+                        </a:rPr>
+                        <m:t>=                   </m:t>
+                      </m:r>
+                      <m:r>
+                        <a:rPr lang="fr-FR" sz="1000" b="1" i="1" smtClean="0">
+                          <a:solidFill>
+                            <a:sysClr val="windowText" lastClr="000000"/>
+                          </a:solidFill>
+                          <a:latin typeface="Cambria Math" panose="02040503050406030204" pitchFamily="18" charset="0"/>
+                        </a:rPr>
+                        <m:t>𝟐</m:t>
+                      </m:r>
+                      <m:r>
+                        <a:rPr lang="fr-FR" sz="1000" b="1" i="1" smtClean="0">
+                          <a:solidFill>
+                            <a:sysClr val="windowText" lastClr="000000"/>
+                          </a:solidFill>
+                          <a:latin typeface="Cambria Math" panose="02040503050406030204" pitchFamily="18" charset="0"/>
+                        </a:rPr>
+                        <m:t>,</m:t>
+                      </m:r>
+                      <m:r>
+                        <a:rPr lang="fr-FR" sz="1000" b="1" i="1" smtClean="0">
+                          <a:solidFill>
+                            <a:sysClr val="windowText" lastClr="000000"/>
+                          </a:solidFill>
+                          <a:latin typeface="Cambria Math" panose="02040503050406030204" pitchFamily="18" charset="0"/>
+                        </a:rPr>
+                        <m:t>𝟑</m:t>
+                      </m:r>
+                      <m:r>
+                        <a:rPr lang="fr-FR" sz="1000" b="1" i="1" smtClean="0">
+                          <a:solidFill>
+                            <a:sysClr val="windowText" lastClr="000000"/>
+                          </a:solidFill>
+                          <a:latin typeface="Cambria Math" panose="02040503050406030204" pitchFamily="18" charset="0"/>
+                        </a:rPr>
+                        <m:t> </m:t>
+                      </m:r>
+                      <m:r>
+                        <a:rPr lang="fr-FR" sz="1000" b="1" i="1" smtClean="0">
+                          <a:solidFill>
+                            <a:sysClr val="windowText" lastClr="000000"/>
+                          </a:solidFill>
+                          <a:latin typeface="Cambria Math" panose="02040503050406030204" pitchFamily="18" charset="0"/>
+                        </a:rPr>
+                        <m:t>𝒔</m:t>
+                      </m:r>
+                      <m:r>
+                        <a:rPr lang="fr-FR" sz="1000" b="1" i="1">
+                          <a:solidFill>
+                            <a:sysClr val="windowText" lastClr="000000"/>
+                          </a:solidFill>
+                          <a:latin typeface="Cambria Math" panose="02040503050406030204" pitchFamily="18" charset="0"/>
+                        </a:rPr>
+                        <m:t>               </m:t>
+                      </m:r>
+                    </m:oMath>
+                  </m:oMathPara>
+                </a14:m>
+                <a:endParaRPr lang="fr-FR" sz="1000" b="1" dirty="0">
+                  <a:solidFill>
+                    <a:sysClr val="windowText" lastClr="000000"/>
+                  </a:solidFill>
+                </a:endParaRPr>
+              </a:p>
+              <a:p>
+                <a:pPr algn="ctr"/>
+                <a:r>
+                  <a:rPr lang="fr-FR" sz="1000" b="1" dirty="0">
+                    <a:solidFill>
+                      <a:sysClr val="windowText" lastClr="000000"/>
+                    </a:solidFill>
+                  </a:rPr>
+                  <a:t>Ecart =   - 1,7 s 	OK</a:t>
+                </a:r>
+              </a:p>
+              <a:p>
+                <a:pPr algn="ctr"/>
+                <a:endParaRPr lang="fr-FR" sz="1000" b="1" dirty="0">
+                  <a:solidFill>
+                    <a:sysClr val="windowText" lastClr="000000"/>
+                  </a:solidFill>
+                </a:endParaRPr>
+              </a:p>
+              <a:p>
+                <a:pPr algn="ctr"/>
+                <a:endParaRPr lang="fr-FR" sz="1000" b="1" dirty="0">
+                  <a:solidFill>
+                    <a:sysClr val="windowText" lastClr="000000"/>
+                  </a:solidFill>
+                </a:endParaRPr>
+              </a:p>
+              <a:p>
+                <a:pPr algn="ctr"/>
+                <a:endParaRPr lang="fr-FR" sz="1000" b="1" dirty="0">
+                  <a:solidFill>
+                    <a:sysClr val="windowText" lastClr="000000"/>
+                  </a:solidFill>
+                </a:endParaRPr>
+              </a:p>
+            </p:txBody>
+          </p:sp>
+        </mc:Choice>
+        <mc:Fallback>
+          <p:sp>
+            <p:nvSpPr>
+              <p:cNvPr id="24" name="Rectangle 23">
+                <a:extLst>
+                  <a:ext uri="{FF2B5EF4-FFF2-40B4-BE49-F238E27FC236}">
+                    <a16:creationId xmlns:a16="http://schemas.microsoft.com/office/drawing/2014/main" id="{2AC5ABBD-298F-48B4-A06D-4618936059CF}"/>
+                  </a:ext>
+                </a:extLst>
+              </p:cNvPr>
+              <p:cNvSpPr>
+                <a:spLocks noRot="1" noChangeAspect="1" noMove="1" noResize="1" noEditPoints="1" noAdjustHandles="1" noChangeArrowheads="1" noChangeShapeType="1" noTextEdit="1"/>
+              </p:cNvSpPr>
+              <p:nvPr/>
+            </p:nvSpPr>
+            <p:spPr>
+              <a:xfrm>
+                <a:off x="6120977" y="4868869"/>
+                <a:ext cx="1872208" cy="1152418"/>
+              </a:xfrm>
+              <a:prstGeom prst="rect">
+                <a:avLst/>
+              </a:prstGeom>
+              <a:blipFill>
+                <a:blip r:embed="rId5"/>
+                <a:stretch>
+                  <a:fillRect/>
+                </a:stretch>
+              </a:blipFill>
+              <a:ln w="9525">
+                <a:solidFill>
+                  <a:schemeClr val="accent2"/>
+                </a:solidFill>
+              </a:ln>
+            </p:spPr>
+            <p:txBody>
+              <a:bodyPr/>
+              <a:lstStyle/>
+              <a:p>
+                <a:r>
+                  <a:rPr lang="fr-FR">
+                    <a:noFill/>
+                  </a:rPr>
+                  <a:t> </a:t>
+                </a:r>
+              </a:p>
+            </p:txBody>
+          </p:sp>
+        </mc:Fallback>
+      </mc:AlternateContent>
+    </p:spTree>
+    <p:extLst>
+      <p:ext uri="{BB962C8B-B14F-4D97-AF65-F5344CB8AC3E}">
+        <p14:creationId xmlns:p14="http://schemas.microsoft.com/office/powerpoint/2010/main" val="2069333420"/>
+      </p:ext>
+    </p:extLst>
+  </p:cSld>
+  <p:clrMapOvr>
+    <a:masterClrMapping/>
+  </p:clrMapOvr>
+</p:sld>
+</file>
+
 <file path=ppt/theme/theme1.xml><?xml version="1.0" encoding="utf-8"?>
 <a:theme xmlns:a="http://schemas.openxmlformats.org/drawingml/2006/main" name="Thème Office">
   <a:themeElements>
